--- a/README slides.pptx
+++ b/README slides.pptx
@@ -171,7 +171,7 @@
           <a:noFill/>
           <a:extLst>
             <a:ext uri="{909E8E84-426E-40dd-AFC4-6F175D3DCCD1}">
-              <a14:hiddenFill xmlns="" xmlns:a14="http://schemas.microsoft.com/office/drawing/2010/main">
+              <a14:hiddenFill xmlns:a14="http://schemas.microsoft.com/office/drawing/2010/main" xmlns="">
                 <a:solidFill>
                   <a:srgbClr val="FFFFFF"/>
                 </a:solidFill>
@@ -231,7 +231,7 @@
             </a:ln>
             <a:extLst>
               <a:ext uri="{91240B29-F687-4f45-9708-019B960494DF}">
-                <a14:hiddenLine xmlns="" xmlns:a14="http://schemas.microsoft.com/office/drawing/2010/main" w="9525">
+                <a14:hiddenLine xmlns:a14="http://schemas.microsoft.com/office/drawing/2010/main" xmlns="" w="9525">
                   <a:solidFill>
                     <a:srgbClr val="000000"/>
                   </a:solidFill>
@@ -321,7 +321,7 @@
             </a:ln>
             <a:extLst>
               <a:ext uri="{91240B29-F687-4f45-9708-019B960494DF}">
-                <a14:hiddenLine xmlns="" xmlns:a14="http://schemas.microsoft.com/office/drawing/2010/main" w="9525">
+                <a14:hiddenLine xmlns:a14="http://schemas.microsoft.com/office/drawing/2010/main" xmlns="" w="9525">
                   <a:solidFill>
                     <a:srgbClr val="000000"/>
                   </a:solidFill>
@@ -411,7 +411,7 @@
             </a:ln>
             <a:extLst>
               <a:ext uri="{91240B29-F687-4f45-9708-019B960494DF}">
-                <a14:hiddenLine xmlns="" xmlns:a14="http://schemas.microsoft.com/office/drawing/2010/main" w="9525">
+                <a14:hiddenLine xmlns:a14="http://schemas.microsoft.com/office/drawing/2010/main" xmlns="" w="9525">
                   <a:solidFill>
                     <a:srgbClr val="000000"/>
                   </a:solidFill>
@@ -445,7 +445,7 @@
             </a:ln>
             <a:extLst>
               <a:ext uri="{91240B29-F687-4f45-9708-019B960494DF}">
-                <a14:hiddenLine xmlns="" xmlns:a14="http://schemas.microsoft.com/office/drawing/2010/main" w="9525">
+                <a14:hiddenLine xmlns:a14="http://schemas.microsoft.com/office/drawing/2010/main" xmlns="" w="9525">
                   <a:solidFill>
                     <a:srgbClr val="000000"/>
                   </a:solidFill>
@@ -535,7 +535,7 @@
             </a:ln>
             <a:extLst>
               <a:ext uri="{91240B29-F687-4f45-9708-019B960494DF}">
-                <a14:hiddenLine xmlns="" xmlns:a14="http://schemas.microsoft.com/office/drawing/2010/main" w="9525">
+                <a14:hiddenLine xmlns:a14="http://schemas.microsoft.com/office/drawing/2010/main" xmlns="" w="9525">
                   <a:solidFill>
                     <a:srgbClr val="000000"/>
                   </a:solidFill>
@@ -597,7 +597,7 @@
             </a:ln>
             <a:extLst>
               <a:ext uri="{91240B29-F687-4f45-9708-019B960494DF}">
-                <a14:hiddenLine xmlns="" xmlns:a14="http://schemas.microsoft.com/office/drawing/2010/main" w="9525">
+                <a14:hiddenLine xmlns:a14="http://schemas.microsoft.com/office/drawing/2010/main" xmlns="" w="9525">
                   <a:solidFill>
                     <a:srgbClr val="000000"/>
                   </a:solidFill>
@@ -659,7 +659,7 @@
             </a:ln>
             <a:extLst>
               <a:ext uri="{91240B29-F687-4f45-9708-019B960494DF}">
-                <a14:hiddenLine xmlns="" xmlns:a14="http://schemas.microsoft.com/office/drawing/2010/main" w="9525">
+                <a14:hiddenLine xmlns:a14="http://schemas.microsoft.com/office/drawing/2010/main" xmlns="" w="9525">
                   <a:solidFill>
                     <a:srgbClr val="000000"/>
                   </a:solidFill>
@@ -749,7 +749,7 @@
             </a:ln>
             <a:extLst>
               <a:ext uri="{91240B29-F687-4f45-9708-019B960494DF}">
-                <a14:hiddenLine xmlns="" xmlns:a14="http://schemas.microsoft.com/office/drawing/2010/main" w="9525">
+                <a14:hiddenLine xmlns:a14="http://schemas.microsoft.com/office/drawing/2010/main" xmlns="" w="9525">
                   <a:solidFill>
                     <a:srgbClr val="000000"/>
                   </a:solidFill>
@@ -811,7 +811,7 @@
             </a:ln>
             <a:extLst>
               <a:ext uri="{91240B29-F687-4f45-9708-019B960494DF}">
-                <a14:hiddenLine xmlns="" xmlns:a14="http://schemas.microsoft.com/office/drawing/2010/main" w="9525">
+                <a14:hiddenLine xmlns:a14="http://schemas.microsoft.com/office/drawing/2010/main" xmlns="" w="9525">
                   <a:solidFill>
                     <a:srgbClr val="000000"/>
                   </a:solidFill>
@@ -873,7 +873,7 @@
             </a:ln>
             <a:extLst>
               <a:ext uri="{91240B29-F687-4f45-9708-019B960494DF}">
-                <a14:hiddenLine xmlns="" xmlns:a14="http://schemas.microsoft.com/office/drawing/2010/main" w="9525">
+                <a14:hiddenLine xmlns:a14="http://schemas.microsoft.com/office/drawing/2010/main" xmlns="" w="9525">
                   <a:solidFill>
                     <a:srgbClr val="000000"/>
                   </a:solidFill>
@@ -963,7 +963,7 @@
             </a:ln>
             <a:extLst>
               <a:ext uri="{91240B29-F687-4f45-9708-019B960494DF}">
-                <a14:hiddenLine xmlns="" xmlns:a14="http://schemas.microsoft.com/office/drawing/2010/main" w="9525">
+                <a14:hiddenLine xmlns:a14="http://schemas.microsoft.com/office/drawing/2010/main" xmlns="" w="9525">
                   <a:solidFill>
                     <a:srgbClr val="000000"/>
                   </a:solidFill>
@@ -1053,7 +1053,7 @@
             </a:ln>
             <a:extLst>
               <a:ext uri="{91240B29-F687-4f45-9708-019B960494DF}">
-                <a14:hiddenLine xmlns="" xmlns:a14="http://schemas.microsoft.com/office/drawing/2010/main" w="9525">
+                <a14:hiddenLine xmlns:a14="http://schemas.microsoft.com/office/drawing/2010/main" xmlns="" w="9525">
                   <a:solidFill>
                     <a:srgbClr val="000000"/>
                   </a:solidFill>
@@ -1115,7 +1115,7 @@
             </a:ln>
             <a:extLst>
               <a:ext uri="{91240B29-F687-4f45-9708-019B960494DF}">
-                <a14:hiddenLine xmlns="" xmlns:a14="http://schemas.microsoft.com/office/drawing/2010/main" w="9525">
+                <a14:hiddenLine xmlns:a14="http://schemas.microsoft.com/office/drawing/2010/main" xmlns="" w="9525">
                   <a:solidFill>
                     <a:srgbClr val="000000"/>
                   </a:solidFill>
@@ -1225,7 +1225,7 @@
             </a:ln>
             <a:extLst>
               <a:ext uri="{91240B29-F687-4f45-9708-019B960494DF}">
-                <a14:hiddenLine xmlns="" xmlns:a14="http://schemas.microsoft.com/office/drawing/2010/main" w="9525">
+                <a14:hiddenLine xmlns:a14="http://schemas.microsoft.com/office/drawing/2010/main" xmlns="" w="9525">
                   <a:solidFill>
                     <a:srgbClr val="000000"/>
                   </a:solidFill>
@@ -1287,7 +1287,7 @@
             </a:ln>
             <a:extLst>
               <a:ext uri="{91240B29-F687-4f45-9708-019B960494DF}">
-                <a14:hiddenLine xmlns="" xmlns:a14="http://schemas.microsoft.com/office/drawing/2010/main" w="9525">
+                <a14:hiddenLine xmlns:a14="http://schemas.microsoft.com/office/drawing/2010/main" xmlns="" w="9525">
                   <a:solidFill>
                     <a:srgbClr val="000000"/>
                   </a:solidFill>
@@ -1377,7 +1377,7 @@
             </a:ln>
             <a:extLst>
               <a:ext uri="{91240B29-F687-4f45-9708-019B960494DF}">
-                <a14:hiddenLine xmlns="" xmlns:a14="http://schemas.microsoft.com/office/drawing/2010/main" w="9525">
+                <a14:hiddenLine xmlns:a14="http://schemas.microsoft.com/office/drawing/2010/main" xmlns="" w="9525">
                   <a:solidFill>
                     <a:srgbClr val="000000"/>
                   </a:solidFill>
@@ -1467,7 +1467,7 @@
             </a:ln>
             <a:extLst>
               <a:ext uri="{91240B29-F687-4f45-9708-019B960494DF}">
-                <a14:hiddenLine xmlns="" xmlns:a14="http://schemas.microsoft.com/office/drawing/2010/main" w="9525">
+                <a14:hiddenLine xmlns:a14="http://schemas.microsoft.com/office/drawing/2010/main" xmlns="" w="9525">
                   <a:solidFill>
                     <a:srgbClr val="000000"/>
                   </a:solidFill>
@@ -1529,7 +1529,7 @@
             </a:ln>
             <a:extLst>
               <a:ext uri="{91240B29-F687-4f45-9708-019B960494DF}">
-                <a14:hiddenLine xmlns="" xmlns:a14="http://schemas.microsoft.com/office/drawing/2010/main" w="9525">
+                <a14:hiddenLine xmlns:a14="http://schemas.microsoft.com/office/drawing/2010/main" xmlns="" w="9525">
                   <a:solidFill>
                     <a:srgbClr val="000000"/>
                   </a:solidFill>
@@ -1619,7 +1619,7 @@
             </a:ln>
             <a:extLst>
               <a:ext uri="{91240B29-F687-4f45-9708-019B960494DF}">
-                <a14:hiddenLine xmlns="" xmlns:a14="http://schemas.microsoft.com/office/drawing/2010/main" w="9525">
+                <a14:hiddenLine xmlns:a14="http://schemas.microsoft.com/office/drawing/2010/main" xmlns="" w="9525">
                   <a:solidFill>
                     <a:srgbClr val="000000"/>
                   </a:solidFill>
@@ -1709,7 +1709,7 @@
             </a:ln>
             <a:extLst>
               <a:ext uri="{91240B29-F687-4f45-9708-019B960494DF}">
-                <a14:hiddenLine xmlns="" xmlns:a14="http://schemas.microsoft.com/office/drawing/2010/main" w="9525">
+                <a14:hiddenLine xmlns:a14="http://schemas.microsoft.com/office/drawing/2010/main" xmlns="" w="9525">
                   <a:solidFill>
                     <a:srgbClr val="000000"/>
                   </a:solidFill>
@@ -1765,7 +1765,7 @@
             </a:ln>
             <a:extLst>
               <a:ext uri="{91240B29-F687-4f45-9708-019B960494DF}">
-                <a14:hiddenLine xmlns="" xmlns:a14="http://schemas.microsoft.com/office/drawing/2010/main" w="9525">
+                <a14:hiddenLine xmlns:a14="http://schemas.microsoft.com/office/drawing/2010/main" xmlns="" w="9525">
                   <a:solidFill>
                     <a:srgbClr val="000000"/>
                   </a:solidFill>
@@ -1855,7 +1855,7 @@
             </a:ln>
             <a:extLst>
               <a:ext uri="{91240B29-F687-4f45-9708-019B960494DF}">
-                <a14:hiddenLine xmlns="" xmlns:a14="http://schemas.microsoft.com/office/drawing/2010/main" w="9525">
+                <a14:hiddenLine xmlns:a14="http://schemas.microsoft.com/office/drawing/2010/main" xmlns="" w="9525">
                   <a:solidFill>
                     <a:srgbClr val="000000"/>
                   </a:solidFill>
@@ -1911,7 +1911,7 @@
             </a:ln>
             <a:extLst>
               <a:ext uri="{91240B29-F687-4f45-9708-019B960494DF}">
-                <a14:hiddenLine xmlns="" xmlns:a14="http://schemas.microsoft.com/office/drawing/2010/main" w="9525">
+                <a14:hiddenLine xmlns:a14="http://schemas.microsoft.com/office/drawing/2010/main" xmlns="" w="9525">
                   <a:solidFill>
                     <a:srgbClr val="000000"/>
                   </a:solidFill>
@@ -2001,7 +2001,7 @@
             </a:ln>
             <a:extLst>
               <a:ext uri="{91240B29-F687-4f45-9708-019B960494DF}">
-                <a14:hiddenLine xmlns="" xmlns:a14="http://schemas.microsoft.com/office/drawing/2010/main" w="9525">
+                <a14:hiddenLine xmlns:a14="http://schemas.microsoft.com/office/drawing/2010/main" xmlns="" w="9525">
                   <a:solidFill>
                     <a:srgbClr val="000000"/>
                   </a:solidFill>
@@ -2069,7 +2069,7 @@
             </a:ln>
             <a:extLst>
               <a:ext uri="{91240B29-F687-4f45-9708-019B960494DF}">
-                <a14:hiddenLine xmlns="" xmlns:a14="http://schemas.microsoft.com/office/drawing/2010/main" w="9525">
+                <a14:hiddenLine xmlns:a14="http://schemas.microsoft.com/office/drawing/2010/main" xmlns="" w="9525">
                   <a:solidFill>
                     <a:srgbClr val="000000"/>
                   </a:solidFill>
@@ -2159,7 +2159,7 @@
             </a:ln>
             <a:extLst>
               <a:ext uri="{91240B29-F687-4f45-9708-019B960494DF}">
-                <a14:hiddenLine xmlns="" xmlns:a14="http://schemas.microsoft.com/office/drawing/2010/main" w="9525">
+                <a14:hiddenLine xmlns:a14="http://schemas.microsoft.com/office/drawing/2010/main" xmlns="" w="9525">
                   <a:solidFill>
                     <a:srgbClr val="000000"/>
                   </a:solidFill>
@@ -2227,7 +2227,7 @@
             </a:ln>
             <a:extLst>
               <a:ext uri="{91240B29-F687-4f45-9708-019B960494DF}">
-                <a14:hiddenLine xmlns="" xmlns:a14="http://schemas.microsoft.com/office/drawing/2010/main" w="9525">
+                <a14:hiddenLine xmlns:a14="http://schemas.microsoft.com/office/drawing/2010/main" xmlns="" w="9525">
                   <a:solidFill>
                     <a:srgbClr val="000000"/>
                   </a:solidFill>
@@ -2317,7 +2317,7 @@
             </a:ln>
             <a:extLst>
               <a:ext uri="{91240B29-F687-4f45-9708-019B960494DF}">
-                <a14:hiddenLine xmlns="" xmlns:a14="http://schemas.microsoft.com/office/drawing/2010/main" w="9525">
+                <a14:hiddenLine xmlns:a14="http://schemas.microsoft.com/office/drawing/2010/main" xmlns="" w="9525">
                   <a:solidFill>
                     <a:srgbClr val="000000"/>
                   </a:solidFill>
@@ -2351,7 +2351,7 @@
             </a:ln>
             <a:extLst>
               <a:ext uri="{91240B29-F687-4f45-9708-019B960494DF}">
-                <a14:hiddenLine xmlns="" xmlns:a14="http://schemas.microsoft.com/office/drawing/2010/main" w="9525">
+                <a14:hiddenLine xmlns:a14="http://schemas.microsoft.com/office/drawing/2010/main" xmlns="" w="9525">
                   <a:solidFill>
                     <a:srgbClr val="000000"/>
                   </a:solidFill>
@@ -2441,7 +2441,7 @@
             </a:ln>
             <a:extLst>
               <a:ext uri="{91240B29-F687-4f45-9708-019B960494DF}">
-                <a14:hiddenLine xmlns="" xmlns:a14="http://schemas.microsoft.com/office/drawing/2010/main" w="9525">
+                <a14:hiddenLine xmlns:a14="http://schemas.microsoft.com/office/drawing/2010/main" xmlns="" w="9525">
                   <a:solidFill>
                     <a:srgbClr val="000000"/>
                   </a:solidFill>
@@ -2503,7 +2503,7 @@
             </a:ln>
             <a:extLst>
               <a:ext uri="{91240B29-F687-4f45-9708-019B960494DF}">
-                <a14:hiddenLine xmlns="" xmlns:a14="http://schemas.microsoft.com/office/drawing/2010/main" w="9525">
+                <a14:hiddenLine xmlns:a14="http://schemas.microsoft.com/office/drawing/2010/main" xmlns="" w="9525">
                   <a:solidFill>
                     <a:srgbClr val="000000"/>
                   </a:solidFill>
@@ -2565,7 +2565,7 @@
             </a:ln>
             <a:extLst>
               <a:ext uri="{91240B29-F687-4f45-9708-019B960494DF}">
-                <a14:hiddenLine xmlns="" xmlns:a14="http://schemas.microsoft.com/office/drawing/2010/main" w="9525">
+                <a14:hiddenLine xmlns:a14="http://schemas.microsoft.com/office/drawing/2010/main" xmlns="" w="9525">
                   <a:solidFill>
                     <a:srgbClr val="000000"/>
                   </a:solidFill>
@@ -2655,7 +2655,7 @@
             </a:ln>
             <a:extLst>
               <a:ext uri="{91240B29-F687-4f45-9708-019B960494DF}">
-                <a14:hiddenLine xmlns="" xmlns:a14="http://schemas.microsoft.com/office/drawing/2010/main" w="9525">
+                <a14:hiddenLine xmlns:a14="http://schemas.microsoft.com/office/drawing/2010/main" xmlns="" w="9525">
                   <a:solidFill>
                     <a:srgbClr val="000000"/>
                   </a:solidFill>
@@ -2723,7 +2723,7 @@
             </a:ln>
             <a:extLst>
               <a:ext uri="{91240B29-F687-4f45-9708-019B960494DF}">
-                <a14:hiddenLine xmlns="" xmlns:a14="http://schemas.microsoft.com/office/drawing/2010/main" w="9525">
+                <a14:hiddenLine xmlns:a14="http://schemas.microsoft.com/office/drawing/2010/main" xmlns="" w="9525">
                   <a:solidFill>
                     <a:srgbClr val="000000"/>
                   </a:solidFill>
@@ -2785,7 +2785,7 @@
             </a:ln>
             <a:extLst>
               <a:ext uri="{91240B29-F687-4f45-9708-019B960494DF}">
-                <a14:hiddenLine xmlns="" xmlns:a14="http://schemas.microsoft.com/office/drawing/2010/main" w="9525">
+                <a14:hiddenLine xmlns:a14="http://schemas.microsoft.com/office/drawing/2010/main" xmlns="" w="9525">
                   <a:solidFill>
                     <a:srgbClr val="000000"/>
                   </a:solidFill>
@@ -2875,7 +2875,7 @@
             </a:ln>
             <a:extLst>
               <a:ext uri="{91240B29-F687-4f45-9708-019B960494DF}">
-                <a14:hiddenLine xmlns="" xmlns:a14="http://schemas.microsoft.com/office/drawing/2010/main" w="9525">
+                <a14:hiddenLine xmlns:a14="http://schemas.microsoft.com/office/drawing/2010/main" xmlns="" w="9525">
                   <a:solidFill>
                     <a:srgbClr val="000000"/>
                   </a:solidFill>
@@ -2937,7 +2937,7 @@
             </a:ln>
             <a:extLst>
               <a:ext uri="{91240B29-F687-4f45-9708-019B960494DF}">
-                <a14:hiddenLine xmlns="" xmlns:a14="http://schemas.microsoft.com/office/drawing/2010/main" w="9525">
+                <a14:hiddenLine xmlns:a14="http://schemas.microsoft.com/office/drawing/2010/main" xmlns="" w="9525">
                   <a:solidFill>
                     <a:srgbClr val="000000"/>
                   </a:solidFill>
@@ -3027,7 +3027,7 @@
             </a:ln>
             <a:extLst>
               <a:ext uri="{91240B29-F687-4f45-9708-019B960494DF}">
-                <a14:hiddenLine xmlns="" xmlns:a14="http://schemas.microsoft.com/office/drawing/2010/main" w="9525">
+                <a14:hiddenLine xmlns:a14="http://schemas.microsoft.com/office/drawing/2010/main" xmlns="" w="9525">
                   <a:solidFill>
                     <a:srgbClr val="000000"/>
                   </a:solidFill>
@@ -3089,7 +3089,7 @@
             </a:ln>
             <a:extLst>
               <a:ext uri="{91240B29-F687-4f45-9708-019B960494DF}">
-                <a14:hiddenLine xmlns="" xmlns:a14="http://schemas.microsoft.com/office/drawing/2010/main" w="9525">
+                <a14:hiddenLine xmlns:a14="http://schemas.microsoft.com/office/drawing/2010/main" xmlns="" w="9525">
                   <a:solidFill>
                     <a:srgbClr val="000000"/>
                   </a:solidFill>
@@ -3179,7 +3179,7 @@
             </a:ln>
             <a:extLst>
               <a:ext uri="{91240B29-F687-4f45-9708-019B960494DF}">
-                <a14:hiddenLine xmlns="" xmlns:a14="http://schemas.microsoft.com/office/drawing/2010/main" w="9525">
+                <a14:hiddenLine xmlns:a14="http://schemas.microsoft.com/office/drawing/2010/main" xmlns="" w="9525">
                   <a:solidFill>
                     <a:srgbClr val="000000"/>
                   </a:solidFill>
@@ -3213,7 +3213,7 @@
             </a:ln>
             <a:extLst>
               <a:ext uri="{91240B29-F687-4f45-9708-019B960494DF}">
-                <a14:hiddenLine xmlns="" xmlns:a14="http://schemas.microsoft.com/office/drawing/2010/main" w="9525">
+                <a14:hiddenLine xmlns:a14="http://schemas.microsoft.com/office/drawing/2010/main" xmlns="" w="9525">
                   <a:solidFill>
                     <a:srgbClr val="000000"/>
                   </a:solidFill>
@@ -3278,7 +3278,7 @@
             </a:ln>
             <a:extLst>
               <a:ext uri="{91240B29-F687-4f45-9708-019B960494DF}">
-                <a14:hiddenLine xmlns="" xmlns:a14="http://schemas.microsoft.com/office/drawing/2010/main" w="9525">
+                <a14:hiddenLine xmlns:a14="http://schemas.microsoft.com/office/drawing/2010/main" xmlns="" w="9525">
                   <a:solidFill>
                     <a:srgbClr val="000000"/>
                   </a:solidFill>
@@ -3368,7 +3368,7 @@
             </a:ln>
             <a:extLst>
               <a:ext uri="{91240B29-F687-4f45-9708-019B960494DF}">
-                <a14:hiddenLine xmlns="" xmlns:a14="http://schemas.microsoft.com/office/drawing/2010/main" w="9525">
+                <a14:hiddenLine xmlns:a14="http://schemas.microsoft.com/office/drawing/2010/main" xmlns="" w="9525">
                   <a:solidFill>
                     <a:srgbClr val="000000"/>
                   </a:solidFill>
@@ -3430,7 +3430,7 @@
             </a:ln>
             <a:extLst>
               <a:ext uri="{91240B29-F687-4f45-9708-019B960494DF}">
-                <a14:hiddenLine xmlns="" xmlns:a14="http://schemas.microsoft.com/office/drawing/2010/main" w="9525">
+                <a14:hiddenLine xmlns:a14="http://schemas.microsoft.com/office/drawing/2010/main" xmlns="" w="9525">
                   <a:solidFill>
                     <a:srgbClr val="000000"/>
                   </a:solidFill>
@@ -3520,7 +3520,7 @@
             </a:ln>
             <a:extLst>
               <a:ext uri="{91240B29-F687-4f45-9708-019B960494DF}">
-                <a14:hiddenLine xmlns="" xmlns:a14="http://schemas.microsoft.com/office/drawing/2010/main" w="9525">
+                <a14:hiddenLine xmlns:a14="http://schemas.microsoft.com/office/drawing/2010/main" xmlns="" w="9525">
                   <a:solidFill>
                     <a:srgbClr val="000000"/>
                   </a:solidFill>
@@ -3610,7 +3610,7 @@
             </a:ln>
             <a:extLst>
               <a:ext uri="{91240B29-F687-4f45-9708-019B960494DF}">
-                <a14:hiddenLine xmlns="" xmlns:a14="http://schemas.microsoft.com/office/drawing/2010/main" w="9525">
+                <a14:hiddenLine xmlns:a14="http://schemas.microsoft.com/office/drawing/2010/main" xmlns="" w="9525">
                   <a:solidFill>
                     <a:srgbClr val="000000"/>
                   </a:solidFill>
@@ -3675,7 +3675,7 @@
             </a:ln>
             <a:extLst>
               <a:ext uri="{91240B29-F687-4f45-9708-019B960494DF}">
-                <a14:hiddenLine xmlns="" xmlns:a14="http://schemas.microsoft.com/office/drawing/2010/main" w="9525">
+                <a14:hiddenLine xmlns:a14="http://schemas.microsoft.com/office/drawing/2010/main" xmlns="" w="9525">
                   <a:solidFill>
                     <a:srgbClr val="000000"/>
                   </a:solidFill>
@@ -3737,7 +3737,7 @@
             </a:ln>
             <a:extLst>
               <a:ext uri="{91240B29-F687-4f45-9708-019B960494DF}">
-                <a14:hiddenLine xmlns="" xmlns:a14="http://schemas.microsoft.com/office/drawing/2010/main" w="9525">
+                <a14:hiddenLine xmlns:a14="http://schemas.microsoft.com/office/drawing/2010/main" xmlns="" w="9525">
                   <a:solidFill>
                     <a:srgbClr val="000000"/>
                   </a:solidFill>
@@ -3827,7 +3827,7 @@
             </a:ln>
             <a:extLst>
               <a:ext uri="{91240B29-F687-4f45-9708-019B960494DF}">
-                <a14:hiddenLine xmlns="" xmlns:a14="http://schemas.microsoft.com/office/drawing/2010/main" w="9525">
+                <a14:hiddenLine xmlns:a14="http://schemas.microsoft.com/office/drawing/2010/main" xmlns="" w="9525">
                   <a:solidFill>
                     <a:srgbClr val="000000"/>
                   </a:solidFill>
@@ -3917,7 +3917,7 @@
             </a:ln>
             <a:extLst>
               <a:ext uri="{91240B29-F687-4f45-9708-019B960494DF}">
-                <a14:hiddenLine xmlns="" xmlns:a14="http://schemas.microsoft.com/office/drawing/2010/main" w="9525">
+                <a14:hiddenLine xmlns:a14="http://schemas.microsoft.com/office/drawing/2010/main" xmlns="" w="9525">
                   <a:solidFill>
                     <a:srgbClr val="000000"/>
                   </a:solidFill>
@@ -3979,7 +3979,7 @@
             </a:ln>
             <a:extLst>
               <a:ext uri="{91240B29-F687-4f45-9708-019B960494DF}">
-                <a14:hiddenLine xmlns="" xmlns:a14="http://schemas.microsoft.com/office/drawing/2010/main" w="9525">
+                <a14:hiddenLine xmlns:a14="http://schemas.microsoft.com/office/drawing/2010/main" xmlns="" w="9525">
                   <a:solidFill>
                     <a:srgbClr val="000000"/>
                   </a:solidFill>
@@ -4099,7 +4099,7 @@
             </a:ln>
             <a:extLst>
               <a:ext uri="{91240B29-F687-4f45-9708-019B960494DF}">
-                <a14:hiddenLine xmlns="" xmlns:a14="http://schemas.microsoft.com/office/drawing/2010/main" w="9525">
+                <a14:hiddenLine xmlns:a14="http://schemas.microsoft.com/office/drawing/2010/main" xmlns="" w="9525">
                   <a:solidFill>
                     <a:srgbClr val="000000"/>
                   </a:solidFill>
@@ -4167,7 +4167,7 @@
             </a:ln>
             <a:extLst>
               <a:ext uri="{91240B29-F687-4f45-9708-019B960494DF}">
-                <a14:hiddenLine xmlns="" xmlns:a14="http://schemas.microsoft.com/office/drawing/2010/main" w="9525">
+                <a14:hiddenLine xmlns:a14="http://schemas.microsoft.com/office/drawing/2010/main" xmlns="" w="9525">
                   <a:solidFill>
                     <a:srgbClr val="000000"/>
                   </a:solidFill>
@@ -4257,7 +4257,7 @@
             </a:ln>
             <a:extLst>
               <a:ext uri="{91240B29-F687-4f45-9708-019B960494DF}">
-                <a14:hiddenLine xmlns="" xmlns:a14="http://schemas.microsoft.com/office/drawing/2010/main" w="9525">
+                <a14:hiddenLine xmlns:a14="http://schemas.microsoft.com/office/drawing/2010/main" xmlns="" w="9525">
                   <a:solidFill>
                     <a:srgbClr val="000000"/>
                   </a:solidFill>
@@ -8979,7 +8979,7 @@
           <a:noFill/>
           <a:extLst>
             <a:ext uri="{909E8E84-426E-40dd-AFC4-6F175D3DCCD1}">
-              <a14:hiddenFill xmlns="" xmlns:a14="http://schemas.microsoft.com/office/drawing/2010/main">
+              <a14:hiddenFill xmlns:a14="http://schemas.microsoft.com/office/drawing/2010/main" xmlns="">
                 <a:solidFill>
                   <a:srgbClr val="FFFFFF"/>
                 </a:solidFill>
@@ -9053,7 +9053,7 @@
               </a:ln>
               <a:extLst>
                 <a:ext uri="{91240B29-F687-4f45-9708-019B960494DF}">
-                  <a14:hiddenLine xmlns="" xmlns:a14="http://schemas.microsoft.com/office/drawing/2010/main" w="9525">
+                  <a14:hiddenLine xmlns:a14="http://schemas.microsoft.com/office/drawing/2010/main" xmlns="" w="9525">
                     <a:solidFill>
                       <a:srgbClr val="000000"/>
                     </a:solidFill>
@@ -9143,7 +9143,7 @@
               </a:ln>
               <a:extLst>
                 <a:ext uri="{91240B29-F687-4f45-9708-019B960494DF}">
-                  <a14:hiddenLine xmlns="" xmlns:a14="http://schemas.microsoft.com/office/drawing/2010/main" w="9525">
+                  <a14:hiddenLine xmlns:a14="http://schemas.microsoft.com/office/drawing/2010/main" xmlns="" w="9525">
                     <a:solidFill>
                       <a:srgbClr val="000000"/>
                     </a:solidFill>
@@ -9233,7 +9233,7 @@
               </a:ln>
               <a:extLst>
                 <a:ext uri="{91240B29-F687-4f45-9708-019B960494DF}">
-                  <a14:hiddenLine xmlns="" xmlns:a14="http://schemas.microsoft.com/office/drawing/2010/main" w="9525">
+                  <a14:hiddenLine xmlns:a14="http://schemas.microsoft.com/office/drawing/2010/main" xmlns="" w="9525">
                     <a:solidFill>
                       <a:srgbClr val="000000"/>
                     </a:solidFill>
@@ -9295,7 +9295,7 @@
               </a:ln>
               <a:extLst>
                 <a:ext uri="{91240B29-F687-4f45-9708-019B960494DF}">
-                  <a14:hiddenLine xmlns="" xmlns:a14="http://schemas.microsoft.com/office/drawing/2010/main" w="9525">
+                  <a14:hiddenLine xmlns:a14="http://schemas.microsoft.com/office/drawing/2010/main" xmlns="" w="9525">
                     <a:solidFill>
                       <a:srgbClr val="000000"/>
                     </a:solidFill>
@@ -9385,7 +9385,7 @@
               </a:ln>
               <a:extLst>
                 <a:ext uri="{91240B29-F687-4f45-9708-019B960494DF}">
-                  <a14:hiddenLine xmlns="" xmlns:a14="http://schemas.microsoft.com/office/drawing/2010/main" w="9525">
+                  <a14:hiddenLine xmlns:a14="http://schemas.microsoft.com/office/drawing/2010/main" xmlns="" w="9525">
                     <a:solidFill>
                       <a:srgbClr val="000000"/>
                     </a:solidFill>
@@ -9447,7 +9447,7 @@
               </a:ln>
               <a:extLst>
                 <a:ext uri="{91240B29-F687-4f45-9708-019B960494DF}">
-                  <a14:hiddenLine xmlns="" xmlns:a14="http://schemas.microsoft.com/office/drawing/2010/main" w="9525">
+                  <a14:hiddenLine xmlns:a14="http://schemas.microsoft.com/office/drawing/2010/main" xmlns="" w="9525">
                     <a:solidFill>
                       <a:srgbClr val="000000"/>
                     </a:solidFill>
@@ -9509,7 +9509,7 @@
               </a:ln>
               <a:extLst>
                 <a:ext uri="{91240B29-F687-4f45-9708-019B960494DF}">
-                  <a14:hiddenLine xmlns="" xmlns:a14="http://schemas.microsoft.com/office/drawing/2010/main" w="9525">
+                  <a14:hiddenLine xmlns:a14="http://schemas.microsoft.com/office/drawing/2010/main" xmlns="" w="9525">
                     <a:solidFill>
                       <a:srgbClr val="000000"/>
                     </a:solidFill>
@@ -9599,7 +9599,7 @@
               </a:ln>
               <a:extLst>
                 <a:ext uri="{91240B29-F687-4f45-9708-019B960494DF}">
-                  <a14:hiddenLine xmlns="" xmlns:a14="http://schemas.microsoft.com/office/drawing/2010/main" w="9525">
+                  <a14:hiddenLine xmlns:a14="http://schemas.microsoft.com/office/drawing/2010/main" xmlns="" w="9525">
                     <a:solidFill>
                       <a:srgbClr val="000000"/>
                     </a:solidFill>
@@ -9689,7 +9689,7 @@
               </a:ln>
               <a:extLst>
                 <a:ext uri="{91240B29-F687-4f45-9708-019B960494DF}">
-                  <a14:hiddenLine xmlns="" xmlns:a14="http://schemas.microsoft.com/office/drawing/2010/main" w="9525">
+                  <a14:hiddenLine xmlns:a14="http://schemas.microsoft.com/office/drawing/2010/main" xmlns="" w="9525">
                     <a:solidFill>
                       <a:srgbClr val="000000"/>
                     </a:solidFill>
@@ -9751,7 +9751,7 @@
               </a:ln>
               <a:extLst>
                 <a:ext uri="{91240B29-F687-4f45-9708-019B960494DF}">
-                  <a14:hiddenLine xmlns="" xmlns:a14="http://schemas.microsoft.com/office/drawing/2010/main" w="9525">
+                  <a14:hiddenLine xmlns:a14="http://schemas.microsoft.com/office/drawing/2010/main" xmlns="" w="9525">
                     <a:solidFill>
                       <a:srgbClr val="000000"/>
                     </a:solidFill>
@@ -9861,7 +9861,7 @@
               </a:ln>
               <a:extLst>
                 <a:ext uri="{91240B29-F687-4f45-9708-019B960494DF}">
-                  <a14:hiddenLine xmlns="" xmlns:a14="http://schemas.microsoft.com/office/drawing/2010/main" w="9525">
+                  <a14:hiddenLine xmlns:a14="http://schemas.microsoft.com/office/drawing/2010/main" xmlns="" w="9525">
                     <a:solidFill>
                       <a:srgbClr val="000000"/>
                     </a:solidFill>
@@ -9945,7 +9945,7 @@
               </a:ln>
               <a:extLst>
                 <a:ext uri="{91240B29-F687-4f45-9708-019B960494DF}">
-                  <a14:hiddenLine xmlns="" xmlns:a14="http://schemas.microsoft.com/office/drawing/2010/main" w="9525">
+                  <a14:hiddenLine xmlns:a14="http://schemas.microsoft.com/office/drawing/2010/main" xmlns="" w="9525">
                     <a:solidFill>
                       <a:srgbClr val="000000"/>
                     </a:solidFill>
@@ -10007,7 +10007,7 @@
               </a:ln>
               <a:extLst>
                 <a:ext uri="{91240B29-F687-4f45-9708-019B960494DF}">
-                  <a14:hiddenLine xmlns="" xmlns:a14="http://schemas.microsoft.com/office/drawing/2010/main" w="9525">
+                  <a14:hiddenLine xmlns:a14="http://schemas.microsoft.com/office/drawing/2010/main" xmlns="" w="9525">
                     <a:solidFill>
                       <a:srgbClr val="000000"/>
                     </a:solidFill>
@@ -10069,7 +10069,7 @@
               </a:ln>
               <a:extLst>
                 <a:ext uri="{91240B29-F687-4f45-9708-019B960494DF}">
-                  <a14:hiddenLine xmlns="" xmlns:a14="http://schemas.microsoft.com/office/drawing/2010/main" w="9525">
+                  <a14:hiddenLine xmlns:a14="http://schemas.microsoft.com/office/drawing/2010/main" xmlns="" w="9525">
                     <a:solidFill>
                       <a:srgbClr val="000000"/>
                     </a:solidFill>
@@ -10159,7 +10159,7 @@
               </a:ln>
               <a:extLst>
                 <a:ext uri="{91240B29-F687-4f45-9708-019B960494DF}">
-                  <a14:hiddenLine xmlns="" xmlns:a14="http://schemas.microsoft.com/office/drawing/2010/main" w="9525">
+                  <a14:hiddenLine xmlns:a14="http://schemas.microsoft.com/office/drawing/2010/main" xmlns="" w="9525">
                     <a:solidFill>
                       <a:srgbClr val="000000"/>
                     </a:solidFill>
@@ -10193,7 +10193,7 @@
               </a:ln>
               <a:extLst>
                 <a:ext uri="{91240B29-F687-4f45-9708-019B960494DF}">
-                  <a14:hiddenLine xmlns="" xmlns:a14="http://schemas.microsoft.com/office/drawing/2010/main" w="9525">
+                  <a14:hiddenLine xmlns:a14="http://schemas.microsoft.com/office/drawing/2010/main" xmlns="" w="9525">
                     <a:solidFill>
                       <a:srgbClr val="000000"/>
                     </a:solidFill>
@@ -10258,7 +10258,7 @@
               </a:ln>
               <a:extLst>
                 <a:ext uri="{91240B29-F687-4f45-9708-019B960494DF}">
-                  <a14:hiddenLine xmlns="" xmlns:a14="http://schemas.microsoft.com/office/drawing/2010/main" w="9525">
+                  <a14:hiddenLine xmlns:a14="http://schemas.microsoft.com/office/drawing/2010/main" xmlns="" w="9525">
                     <a:solidFill>
                       <a:srgbClr val="000000"/>
                     </a:solidFill>
@@ -10348,7 +10348,7 @@
               </a:ln>
               <a:extLst>
                 <a:ext uri="{91240B29-F687-4f45-9708-019B960494DF}">
-                  <a14:hiddenLine xmlns="" xmlns:a14="http://schemas.microsoft.com/office/drawing/2010/main" w="9525">
+                  <a14:hiddenLine xmlns:a14="http://schemas.microsoft.com/office/drawing/2010/main" xmlns="" w="9525">
                     <a:solidFill>
                       <a:srgbClr val="000000"/>
                     </a:solidFill>
@@ -10410,7 +10410,7 @@
               </a:ln>
               <a:extLst>
                 <a:ext uri="{91240B29-F687-4f45-9708-019B960494DF}">
-                  <a14:hiddenLine xmlns="" xmlns:a14="http://schemas.microsoft.com/office/drawing/2010/main" w="9525">
+                  <a14:hiddenLine xmlns:a14="http://schemas.microsoft.com/office/drawing/2010/main" xmlns="" w="9525">
                     <a:solidFill>
                       <a:srgbClr val="000000"/>
                     </a:solidFill>
@@ -10500,7 +10500,7 @@
               </a:ln>
               <a:extLst>
                 <a:ext uri="{91240B29-F687-4f45-9708-019B960494DF}">
-                  <a14:hiddenLine xmlns="" xmlns:a14="http://schemas.microsoft.com/office/drawing/2010/main" w="9525">
+                  <a14:hiddenLine xmlns:a14="http://schemas.microsoft.com/office/drawing/2010/main" xmlns="" w="9525">
                     <a:solidFill>
                       <a:srgbClr val="000000"/>
                     </a:solidFill>
@@ -10565,7 +10565,7 @@
               </a:ln>
               <a:extLst>
                 <a:ext uri="{91240B29-F687-4f45-9708-019B960494DF}">
-                  <a14:hiddenLine xmlns="" xmlns:a14="http://schemas.microsoft.com/office/drawing/2010/main" w="9525">
+                  <a14:hiddenLine xmlns:a14="http://schemas.microsoft.com/office/drawing/2010/main" xmlns="" w="9525">
                     <a:solidFill>
                       <a:srgbClr val="000000"/>
                     </a:solidFill>
@@ -10627,7 +10627,7 @@
               </a:ln>
               <a:extLst>
                 <a:ext uri="{91240B29-F687-4f45-9708-019B960494DF}">
-                  <a14:hiddenLine xmlns="" xmlns:a14="http://schemas.microsoft.com/office/drawing/2010/main" w="9525">
+                  <a14:hiddenLine xmlns:a14="http://schemas.microsoft.com/office/drawing/2010/main" xmlns="" w="9525">
                     <a:solidFill>
                       <a:srgbClr val="000000"/>
                     </a:solidFill>
@@ -10717,7 +10717,7 @@
               </a:ln>
               <a:extLst>
                 <a:ext uri="{91240B29-F687-4f45-9708-019B960494DF}">
-                  <a14:hiddenLine xmlns="" xmlns:a14="http://schemas.microsoft.com/office/drawing/2010/main" w="9525">
+                  <a14:hiddenLine xmlns:a14="http://schemas.microsoft.com/office/drawing/2010/main" xmlns="" w="9525">
                     <a:solidFill>
                       <a:srgbClr val="000000"/>
                     </a:solidFill>
@@ -10807,7 +10807,7 @@
               </a:ln>
               <a:extLst>
                 <a:ext uri="{91240B29-F687-4f45-9708-019B960494DF}">
-                  <a14:hiddenLine xmlns="" xmlns:a14="http://schemas.microsoft.com/office/drawing/2010/main" w="9525">
+                  <a14:hiddenLine xmlns:a14="http://schemas.microsoft.com/office/drawing/2010/main" xmlns="" w="9525">
                     <a:solidFill>
                       <a:srgbClr val="000000"/>
                     </a:solidFill>
@@ -10872,7 +10872,7 @@
               </a:ln>
               <a:extLst>
                 <a:ext uri="{91240B29-F687-4f45-9708-019B960494DF}">
-                  <a14:hiddenLine xmlns="" xmlns:a14="http://schemas.microsoft.com/office/drawing/2010/main" w="9525">
+                  <a14:hiddenLine xmlns:a14="http://schemas.microsoft.com/office/drawing/2010/main" xmlns="" w="9525">
                     <a:solidFill>
                       <a:srgbClr val="000000"/>
                     </a:solidFill>
@@ -10992,7 +10992,7 @@
               </a:ln>
               <a:extLst>
                 <a:ext uri="{91240B29-F687-4f45-9708-019B960494DF}">
-                  <a14:hiddenLine xmlns="" xmlns:a14="http://schemas.microsoft.com/office/drawing/2010/main" w="9525">
+                  <a14:hiddenLine xmlns:a14="http://schemas.microsoft.com/office/drawing/2010/main" xmlns="" w="9525">
                     <a:solidFill>
                       <a:srgbClr val="000000"/>
                     </a:solidFill>
@@ -11090,7 +11090,7 @@
               </a:ln>
               <a:extLst>
                 <a:ext uri="{91240B29-F687-4f45-9708-019B960494DF}">
-                  <a14:hiddenLine xmlns="" xmlns:a14="http://schemas.microsoft.com/office/drawing/2010/main" w="9525">
+                  <a14:hiddenLine xmlns:a14="http://schemas.microsoft.com/office/drawing/2010/main" xmlns="" w="9525">
                     <a:solidFill>
                       <a:srgbClr val="000000"/>
                     </a:solidFill>
@@ -11205,7 +11205,7 @@
               </a:ln>
               <a:extLst>
                 <a:ext uri="{91240B29-F687-4f45-9708-019B960494DF}">
-                  <a14:hiddenLine xmlns="" xmlns:a14="http://schemas.microsoft.com/office/drawing/2010/main" w="9525">
+                  <a14:hiddenLine xmlns:a14="http://schemas.microsoft.com/office/drawing/2010/main" xmlns="" w="9525">
                     <a:solidFill>
                       <a:srgbClr val="000000"/>
                     </a:solidFill>
@@ -11295,7 +11295,7 @@
               </a:ln>
               <a:extLst>
                 <a:ext uri="{91240B29-F687-4f45-9708-019B960494DF}">
-                  <a14:hiddenLine xmlns="" xmlns:a14="http://schemas.microsoft.com/office/drawing/2010/main" w="9525">
+                  <a14:hiddenLine xmlns:a14="http://schemas.microsoft.com/office/drawing/2010/main" xmlns="" w="9525">
                     <a:solidFill>
                       <a:srgbClr val="000000"/>
                     </a:solidFill>
@@ -11360,7 +11360,7 @@
               </a:ln>
               <a:extLst>
                 <a:ext uri="{91240B29-F687-4f45-9708-019B960494DF}">
-                  <a14:hiddenLine xmlns="" xmlns:a14="http://schemas.microsoft.com/office/drawing/2010/main" w="9525">
+                  <a14:hiddenLine xmlns:a14="http://schemas.microsoft.com/office/drawing/2010/main" xmlns="" w="9525">
                     <a:solidFill>
                       <a:srgbClr val="000000"/>
                     </a:solidFill>
@@ -11450,7 +11450,7 @@
               </a:ln>
               <a:extLst>
                 <a:ext uri="{91240B29-F687-4f45-9708-019B960494DF}">
-                  <a14:hiddenLine xmlns="" xmlns:a14="http://schemas.microsoft.com/office/drawing/2010/main" w="9525">
+                  <a14:hiddenLine xmlns:a14="http://schemas.microsoft.com/office/drawing/2010/main" xmlns="" w="9525">
                     <a:solidFill>
                       <a:srgbClr val="000000"/>
                     </a:solidFill>
@@ -11518,7 +11518,7 @@
               </a:ln>
               <a:extLst>
                 <a:ext uri="{91240B29-F687-4f45-9708-019B960494DF}">
-                  <a14:hiddenLine xmlns="" xmlns:a14="http://schemas.microsoft.com/office/drawing/2010/main" w="9525">
+                  <a14:hiddenLine xmlns:a14="http://schemas.microsoft.com/office/drawing/2010/main" xmlns="" w="9525">
                     <a:solidFill>
                       <a:srgbClr val="000000"/>
                     </a:solidFill>
@@ -11608,7 +11608,7 @@
               </a:ln>
               <a:extLst>
                 <a:ext uri="{91240B29-F687-4f45-9708-019B960494DF}">
-                  <a14:hiddenLine xmlns="" xmlns:a14="http://schemas.microsoft.com/office/drawing/2010/main" w="9525">
+                  <a14:hiddenLine xmlns:a14="http://schemas.microsoft.com/office/drawing/2010/main" xmlns="" w="9525">
                     <a:solidFill>
                       <a:srgbClr val="000000"/>
                     </a:solidFill>
@@ -11676,7 +11676,7 @@
               </a:ln>
               <a:extLst>
                 <a:ext uri="{91240B29-F687-4f45-9708-019B960494DF}">
-                  <a14:hiddenLine xmlns="" xmlns:a14="http://schemas.microsoft.com/office/drawing/2010/main" w="9525">
+                  <a14:hiddenLine xmlns:a14="http://schemas.microsoft.com/office/drawing/2010/main" xmlns="" w="9525">
                     <a:solidFill>
                       <a:srgbClr val="000000"/>
                     </a:solidFill>
@@ -11766,7 +11766,7 @@
               </a:ln>
               <a:extLst>
                 <a:ext uri="{91240B29-F687-4f45-9708-019B960494DF}">
-                  <a14:hiddenLine xmlns="" xmlns:a14="http://schemas.microsoft.com/office/drawing/2010/main" w="9525">
+                  <a14:hiddenLine xmlns:a14="http://schemas.microsoft.com/office/drawing/2010/main" xmlns="" w="9525">
                     <a:solidFill>
                       <a:srgbClr val="000000"/>
                     </a:solidFill>
@@ -11800,7 +11800,7 @@
               </a:ln>
               <a:extLst>
                 <a:ext uri="{91240B29-F687-4f45-9708-019B960494DF}">
-                  <a14:hiddenLine xmlns="" xmlns:a14="http://schemas.microsoft.com/office/drawing/2010/main" w="9525">
+                  <a14:hiddenLine xmlns:a14="http://schemas.microsoft.com/office/drawing/2010/main" xmlns="" w="9525">
                     <a:solidFill>
                       <a:srgbClr val="000000"/>
                     </a:solidFill>
@@ -12525,7 +12525,7 @@
             <a:noFill/>
             <a:extLst>
               <a:ext uri="{909E8E84-426E-40dd-AFC4-6F175D3DCCD1}">
-                <a14:hiddenFill xmlns:p14="http://schemas.microsoft.com/office/powerpoint/2010/main" xmlns:a14="http://schemas.microsoft.com/office/drawing/2010/main" xmlns:a16="http://schemas.microsoft.com/office/drawing/2014/main" xmlns="">
+                <a14:hiddenFill xmlns="" xmlns:a16="http://schemas.microsoft.com/office/drawing/2014/main" xmlns:a14="http://schemas.microsoft.com/office/drawing/2010/main" xmlns:p14="http://schemas.microsoft.com/office/powerpoint/2010/main">
                   <a:solidFill>
                     <a:srgbClr val="FFFFFF"/>
                   </a:solidFill>
@@ -12603,13 +12603,6 @@
             <a:r>
               <a:rPr lang="en-ZA" dirty="0"/>
               <a:t>Billing system based on rfid</a:t>
-            </a:r>
-            <a:br>
-              <a:rPr lang="en-ZA" dirty="0"/>
-            </a:br>
-            <a:r>
-              <a:rPr lang="en-ZA" dirty="0"/>
-              <a:t>Student no.: 213240013</a:t>
             </a:r>
             <a:br>
               <a:rPr lang="en-ZA" dirty="0"/>
@@ -12704,7 +12697,7 @@
             </a:ln>
             <a:extLst>
               <a:ext uri="{91240B29-F687-4f45-9708-019B960494DF}">
-                <a14:hiddenLine xmlns:p14="http://schemas.microsoft.com/office/powerpoint/2010/main" xmlns:a14="http://schemas.microsoft.com/office/drawing/2010/main" xmlns:a16="http://schemas.microsoft.com/office/drawing/2014/main" xmlns="" w="9525">
+                <a14:hiddenLine xmlns="" xmlns:a16="http://schemas.microsoft.com/office/drawing/2014/main" xmlns:a14="http://schemas.microsoft.com/office/drawing/2010/main" xmlns:p14="http://schemas.microsoft.com/office/powerpoint/2010/main" w="9525">
                   <a:solidFill>
                     <a:srgbClr val="000000"/>
                   </a:solidFill>
@@ -12809,7 +12802,7 @@
             </a:ln>
             <a:extLst>
               <a:ext uri="{91240B29-F687-4f45-9708-019B960494DF}">
-                <a14:hiddenLine xmlns:p14="http://schemas.microsoft.com/office/powerpoint/2010/main" xmlns:a14="http://schemas.microsoft.com/office/drawing/2010/main" xmlns:a16="http://schemas.microsoft.com/office/drawing/2014/main" xmlns="" w="9525">
+                <a14:hiddenLine xmlns="" xmlns:a16="http://schemas.microsoft.com/office/drawing/2014/main" xmlns:a14="http://schemas.microsoft.com/office/drawing/2010/main" xmlns:p14="http://schemas.microsoft.com/office/powerpoint/2010/main" w="9525">
                   <a:solidFill>
                     <a:srgbClr val="000000"/>
                   </a:solidFill>
@@ -12914,7 +12907,7 @@
             </a:ln>
             <a:extLst>
               <a:ext uri="{91240B29-F687-4f45-9708-019B960494DF}">
-                <a14:hiddenLine xmlns:p14="http://schemas.microsoft.com/office/powerpoint/2010/main" xmlns:a14="http://schemas.microsoft.com/office/drawing/2010/main" xmlns:a16="http://schemas.microsoft.com/office/drawing/2014/main" xmlns="" w="9525">
+                <a14:hiddenLine xmlns="" xmlns:a16="http://schemas.microsoft.com/office/drawing/2014/main" xmlns:a14="http://schemas.microsoft.com/office/drawing/2010/main" xmlns:p14="http://schemas.microsoft.com/office/powerpoint/2010/main" w="9525">
                   <a:solidFill>
                     <a:srgbClr val="000000"/>
                   </a:solidFill>
@@ -12991,7 +12984,7 @@
             </a:ln>
             <a:extLst>
               <a:ext uri="{91240B29-F687-4f45-9708-019B960494DF}">
-                <a14:hiddenLine xmlns:p14="http://schemas.microsoft.com/office/powerpoint/2010/main" xmlns:a14="http://schemas.microsoft.com/office/drawing/2010/main" xmlns:a16="http://schemas.microsoft.com/office/drawing/2014/main" xmlns="" w="9525">
+                <a14:hiddenLine xmlns="" xmlns:a16="http://schemas.microsoft.com/office/drawing/2014/main" xmlns:a14="http://schemas.microsoft.com/office/drawing/2010/main" xmlns:p14="http://schemas.microsoft.com/office/powerpoint/2010/main" w="9525">
                   <a:solidFill>
                     <a:srgbClr val="000000"/>
                   </a:solidFill>
@@ -13096,7 +13089,7 @@
             </a:ln>
             <a:extLst>
               <a:ext uri="{91240B29-F687-4f45-9708-019B960494DF}">
-                <a14:hiddenLine xmlns:p14="http://schemas.microsoft.com/office/powerpoint/2010/main" xmlns:a14="http://schemas.microsoft.com/office/drawing/2010/main" xmlns:a16="http://schemas.microsoft.com/office/drawing/2014/main" xmlns="" w="9525">
+                <a14:hiddenLine xmlns="" xmlns:a16="http://schemas.microsoft.com/office/drawing/2014/main" xmlns:a14="http://schemas.microsoft.com/office/drawing/2010/main" xmlns:p14="http://schemas.microsoft.com/office/powerpoint/2010/main" w="9525">
                   <a:solidFill>
                     <a:srgbClr val="000000"/>
                   </a:solidFill>
@@ -13173,7 +13166,7 @@
             </a:ln>
             <a:extLst>
               <a:ext uri="{91240B29-F687-4f45-9708-019B960494DF}">
-                <a14:hiddenLine xmlns:p14="http://schemas.microsoft.com/office/powerpoint/2010/main" xmlns:a14="http://schemas.microsoft.com/office/drawing/2010/main" xmlns:a16="http://schemas.microsoft.com/office/drawing/2014/main" xmlns="" w="9525">
+                <a14:hiddenLine xmlns="" xmlns:a16="http://schemas.microsoft.com/office/drawing/2014/main" xmlns:a14="http://schemas.microsoft.com/office/drawing/2010/main" xmlns:p14="http://schemas.microsoft.com/office/powerpoint/2010/main" w="9525">
                   <a:solidFill>
                     <a:srgbClr val="000000"/>
                   </a:solidFill>
@@ -13250,7 +13243,7 @@
             </a:ln>
             <a:extLst>
               <a:ext uri="{91240B29-F687-4f45-9708-019B960494DF}">
-                <a14:hiddenLine xmlns:p14="http://schemas.microsoft.com/office/powerpoint/2010/main" xmlns:a14="http://schemas.microsoft.com/office/drawing/2010/main" xmlns:a16="http://schemas.microsoft.com/office/drawing/2014/main" xmlns="" w="9525">
+                <a14:hiddenLine xmlns="" xmlns:a16="http://schemas.microsoft.com/office/drawing/2014/main" xmlns:a14="http://schemas.microsoft.com/office/drawing/2010/main" xmlns:p14="http://schemas.microsoft.com/office/powerpoint/2010/main" w="9525">
                   <a:solidFill>
                     <a:srgbClr val="000000"/>
                   </a:solidFill>
@@ -13355,7 +13348,7 @@
             </a:ln>
             <a:extLst>
               <a:ext uri="{91240B29-F687-4f45-9708-019B960494DF}">
-                <a14:hiddenLine xmlns:p14="http://schemas.microsoft.com/office/powerpoint/2010/main" xmlns:a14="http://schemas.microsoft.com/office/drawing/2010/main" xmlns:a16="http://schemas.microsoft.com/office/drawing/2014/main" xmlns="" w="9525">
+                <a14:hiddenLine xmlns="" xmlns:a16="http://schemas.microsoft.com/office/drawing/2014/main" xmlns:a14="http://schemas.microsoft.com/office/drawing/2010/main" xmlns:p14="http://schemas.microsoft.com/office/powerpoint/2010/main" w="9525">
                   <a:solidFill>
                     <a:srgbClr val="000000"/>
                   </a:solidFill>
@@ -13460,7 +13453,7 @@
             </a:ln>
             <a:extLst>
               <a:ext uri="{91240B29-F687-4f45-9708-019B960494DF}">
-                <a14:hiddenLine xmlns:p14="http://schemas.microsoft.com/office/powerpoint/2010/main" xmlns:a14="http://schemas.microsoft.com/office/drawing/2010/main" xmlns:a16="http://schemas.microsoft.com/office/drawing/2014/main" xmlns="" w="9525">
+                <a14:hiddenLine xmlns="" xmlns:a16="http://schemas.microsoft.com/office/drawing/2014/main" xmlns:a14="http://schemas.microsoft.com/office/drawing/2010/main" xmlns:p14="http://schemas.microsoft.com/office/powerpoint/2010/main" w="9525">
                   <a:solidFill>
                     <a:srgbClr val="000000"/>
                   </a:solidFill>
@@ -13537,7 +13530,7 @@
             </a:ln>
             <a:extLst>
               <a:ext uri="{91240B29-F687-4f45-9708-019B960494DF}">
-                <a14:hiddenLine xmlns:p14="http://schemas.microsoft.com/office/powerpoint/2010/main" xmlns:a14="http://schemas.microsoft.com/office/drawing/2010/main" xmlns:a16="http://schemas.microsoft.com/office/drawing/2014/main" xmlns="" w="9525">
+                <a14:hiddenLine xmlns="" xmlns:a16="http://schemas.microsoft.com/office/drawing/2014/main" xmlns:a14="http://schemas.microsoft.com/office/drawing/2010/main" xmlns:p14="http://schemas.microsoft.com/office/powerpoint/2010/main" w="9525">
                   <a:solidFill>
                     <a:srgbClr val="000000"/>
                   </a:solidFill>
@@ -13662,7 +13655,7 @@
             </a:ln>
             <a:extLst>
               <a:ext uri="{91240B29-F687-4f45-9708-019B960494DF}">
-                <a14:hiddenLine xmlns:p14="http://schemas.microsoft.com/office/powerpoint/2010/main" xmlns:a14="http://schemas.microsoft.com/office/drawing/2010/main" xmlns:a16="http://schemas.microsoft.com/office/drawing/2014/main" xmlns="" w="9525">
+                <a14:hiddenLine xmlns="" xmlns:a16="http://schemas.microsoft.com/office/drawing/2014/main" xmlns:a14="http://schemas.microsoft.com/office/drawing/2010/main" xmlns:p14="http://schemas.microsoft.com/office/powerpoint/2010/main" w="9525">
                   <a:solidFill>
                     <a:srgbClr val="000000"/>
                   </a:solidFill>
@@ -13776,7 +13769,7 @@
             </a:ln>
             <a:extLst>
               <a:ext uri="{91240B29-F687-4f45-9708-019B960494DF}">
-                <a14:hiddenLine xmlns:p14="http://schemas.microsoft.com/office/powerpoint/2010/main" xmlns:a14="http://schemas.microsoft.com/office/drawing/2010/main" xmlns:a16="http://schemas.microsoft.com/office/drawing/2014/main" xmlns="" w="9525">
+                <a14:hiddenLine xmlns="" xmlns:a16="http://schemas.microsoft.com/office/drawing/2014/main" xmlns:a14="http://schemas.microsoft.com/office/drawing/2010/main" xmlns:p14="http://schemas.microsoft.com/office/powerpoint/2010/main" w="9525">
                   <a:solidFill>
                     <a:srgbClr val="000000"/>
                   </a:solidFill>
@@ -13853,7 +13846,7 @@
             </a:ln>
             <a:extLst>
               <a:ext uri="{91240B29-F687-4f45-9708-019B960494DF}">
-                <a14:hiddenLine xmlns:p14="http://schemas.microsoft.com/office/powerpoint/2010/main" xmlns:a14="http://schemas.microsoft.com/office/drawing/2010/main" xmlns:a16="http://schemas.microsoft.com/office/drawing/2014/main" xmlns="" w="9525">
+                <a14:hiddenLine xmlns="" xmlns:a16="http://schemas.microsoft.com/office/drawing/2014/main" xmlns:a14="http://schemas.microsoft.com/office/drawing/2010/main" xmlns:p14="http://schemas.microsoft.com/office/powerpoint/2010/main" w="9525">
                   <a:solidFill>
                     <a:srgbClr val="000000"/>
                   </a:solidFill>
@@ -13930,7 +13923,7 @@
             </a:ln>
             <a:extLst>
               <a:ext uri="{91240B29-F687-4f45-9708-019B960494DF}">
-                <a14:hiddenLine xmlns:p14="http://schemas.microsoft.com/office/powerpoint/2010/main" xmlns:a14="http://schemas.microsoft.com/office/drawing/2010/main" xmlns:a16="http://schemas.microsoft.com/office/drawing/2014/main" xmlns="" w="9525">
+                <a14:hiddenLine xmlns="" xmlns:a16="http://schemas.microsoft.com/office/drawing/2014/main" xmlns:a14="http://schemas.microsoft.com/office/drawing/2010/main" xmlns:p14="http://schemas.microsoft.com/office/powerpoint/2010/main" w="9525">
                   <a:solidFill>
                     <a:srgbClr val="000000"/>
                   </a:solidFill>
@@ -14035,7 +14028,7 @@
             </a:ln>
             <a:extLst>
               <a:ext uri="{91240B29-F687-4f45-9708-019B960494DF}">
-                <a14:hiddenLine xmlns:p14="http://schemas.microsoft.com/office/powerpoint/2010/main" xmlns:a14="http://schemas.microsoft.com/office/drawing/2010/main" xmlns:a16="http://schemas.microsoft.com/office/drawing/2014/main" xmlns="" w="9525">
+                <a14:hiddenLine xmlns="" xmlns:a16="http://schemas.microsoft.com/office/drawing/2014/main" xmlns:a14="http://schemas.microsoft.com/office/drawing/2010/main" xmlns:p14="http://schemas.microsoft.com/office/powerpoint/2010/main" w="9525">
                   <a:solidFill>
                     <a:srgbClr val="000000"/>
                   </a:solidFill>
@@ -14084,7 +14077,7 @@
             </a:ln>
             <a:extLst>
               <a:ext uri="{91240B29-F687-4f45-9708-019B960494DF}">
-                <a14:hiddenLine xmlns:p14="http://schemas.microsoft.com/office/powerpoint/2010/main" xmlns:a14="http://schemas.microsoft.com/office/drawing/2010/main" xmlns:a16="http://schemas.microsoft.com/office/drawing/2014/main" xmlns="" w="9525">
+                <a14:hiddenLine xmlns="" xmlns:a16="http://schemas.microsoft.com/office/drawing/2014/main" xmlns:a14="http://schemas.microsoft.com/office/drawing/2010/main" xmlns:p14="http://schemas.microsoft.com/office/powerpoint/2010/main" w="9525">
                   <a:solidFill>
                     <a:srgbClr val="000000"/>
                   </a:solidFill>
@@ -14164,7 +14157,7 @@
             </a:ln>
             <a:extLst>
               <a:ext uri="{91240B29-F687-4f45-9708-019B960494DF}">
-                <a14:hiddenLine xmlns:p14="http://schemas.microsoft.com/office/powerpoint/2010/main" xmlns:a14="http://schemas.microsoft.com/office/drawing/2010/main" xmlns:a16="http://schemas.microsoft.com/office/drawing/2014/main" xmlns="" w="9525">
+                <a14:hiddenLine xmlns="" xmlns:a16="http://schemas.microsoft.com/office/drawing/2014/main" xmlns:a14="http://schemas.microsoft.com/office/drawing/2010/main" xmlns:p14="http://schemas.microsoft.com/office/powerpoint/2010/main" w="9525">
                   <a:solidFill>
                     <a:srgbClr val="000000"/>
                   </a:solidFill>
@@ -14269,7 +14262,7 @@
             </a:ln>
             <a:extLst>
               <a:ext uri="{91240B29-F687-4f45-9708-019B960494DF}">
-                <a14:hiddenLine xmlns:p14="http://schemas.microsoft.com/office/powerpoint/2010/main" xmlns:a14="http://schemas.microsoft.com/office/drawing/2010/main" xmlns:a16="http://schemas.microsoft.com/office/drawing/2014/main" xmlns="" w="9525">
+                <a14:hiddenLine xmlns="" xmlns:a16="http://schemas.microsoft.com/office/drawing/2014/main" xmlns:a14="http://schemas.microsoft.com/office/drawing/2010/main" xmlns:p14="http://schemas.microsoft.com/office/powerpoint/2010/main" w="9525">
                   <a:solidFill>
                     <a:srgbClr val="000000"/>
                   </a:solidFill>
@@ -14346,7 +14339,7 @@
             </a:ln>
             <a:extLst>
               <a:ext uri="{91240B29-F687-4f45-9708-019B960494DF}">
-                <a14:hiddenLine xmlns:p14="http://schemas.microsoft.com/office/powerpoint/2010/main" xmlns:a14="http://schemas.microsoft.com/office/drawing/2010/main" xmlns:a16="http://schemas.microsoft.com/office/drawing/2014/main" xmlns="" w="9525">
+                <a14:hiddenLine xmlns="" xmlns:a16="http://schemas.microsoft.com/office/drawing/2014/main" xmlns:a14="http://schemas.microsoft.com/office/drawing/2010/main" xmlns:p14="http://schemas.microsoft.com/office/powerpoint/2010/main" w="9525">
                   <a:solidFill>
                     <a:srgbClr val="000000"/>
                   </a:solidFill>
@@ -14451,7 +14444,7 @@
             </a:ln>
             <a:extLst>
               <a:ext uri="{91240B29-F687-4f45-9708-019B960494DF}">
-                <a14:hiddenLine xmlns:p14="http://schemas.microsoft.com/office/powerpoint/2010/main" xmlns:a14="http://schemas.microsoft.com/office/drawing/2010/main" xmlns:a16="http://schemas.microsoft.com/office/drawing/2014/main" xmlns="" w="9525">
+                <a14:hiddenLine xmlns="" xmlns:a16="http://schemas.microsoft.com/office/drawing/2014/main" xmlns:a14="http://schemas.microsoft.com/office/drawing/2010/main" xmlns:p14="http://schemas.microsoft.com/office/powerpoint/2010/main" w="9525">
                   <a:solidFill>
                     <a:srgbClr val="000000"/>
                   </a:solidFill>
@@ -14531,7 +14524,7 @@
             </a:ln>
             <a:extLst>
               <a:ext uri="{91240B29-F687-4f45-9708-019B960494DF}">
-                <a14:hiddenLine xmlns:p14="http://schemas.microsoft.com/office/powerpoint/2010/main" xmlns:a14="http://schemas.microsoft.com/office/drawing/2010/main" xmlns:a16="http://schemas.microsoft.com/office/drawing/2014/main" xmlns="" w="9525">
+                <a14:hiddenLine xmlns="" xmlns:a16="http://schemas.microsoft.com/office/drawing/2014/main" xmlns:a14="http://schemas.microsoft.com/office/drawing/2010/main" xmlns:p14="http://schemas.microsoft.com/office/powerpoint/2010/main" w="9525">
                   <a:solidFill>
                     <a:srgbClr val="000000"/>
                   </a:solidFill>
@@ -14608,7 +14601,7 @@
             </a:ln>
             <a:extLst>
               <a:ext uri="{91240B29-F687-4f45-9708-019B960494DF}">
-                <a14:hiddenLine xmlns:p14="http://schemas.microsoft.com/office/powerpoint/2010/main" xmlns:a14="http://schemas.microsoft.com/office/drawing/2010/main" xmlns:a16="http://schemas.microsoft.com/office/drawing/2014/main" xmlns="" w="9525">
+                <a14:hiddenLine xmlns="" xmlns:a16="http://schemas.microsoft.com/office/drawing/2014/main" xmlns:a14="http://schemas.microsoft.com/office/drawing/2010/main" xmlns:p14="http://schemas.microsoft.com/office/powerpoint/2010/main" w="9525">
                   <a:solidFill>
                     <a:srgbClr val="000000"/>
                   </a:solidFill>
@@ -14713,7 +14706,7 @@
             </a:ln>
             <a:extLst>
               <a:ext uri="{91240B29-F687-4f45-9708-019B960494DF}">
-                <a14:hiddenLine xmlns:p14="http://schemas.microsoft.com/office/powerpoint/2010/main" xmlns:a14="http://schemas.microsoft.com/office/drawing/2010/main" xmlns:a16="http://schemas.microsoft.com/office/drawing/2014/main" xmlns="" w="9525">
+                <a14:hiddenLine xmlns="" xmlns:a16="http://schemas.microsoft.com/office/drawing/2014/main" xmlns:a14="http://schemas.microsoft.com/office/drawing/2010/main" xmlns:p14="http://schemas.microsoft.com/office/powerpoint/2010/main" w="9525">
                   <a:solidFill>
                     <a:srgbClr val="000000"/>
                   </a:solidFill>
@@ -14818,7 +14811,7 @@
             </a:ln>
             <a:extLst>
               <a:ext uri="{91240B29-F687-4f45-9708-019B960494DF}">
-                <a14:hiddenLine xmlns:p14="http://schemas.microsoft.com/office/powerpoint/2010/main" xmlns:a14="http://schemas.microsoft.com/office/drawing/2010/main" xmlns:a16="http://schemas.microsoft.com/office/drawing/2014/main" xmlns="" w="9525">
+                <a14:hiddenLine xmlns="" xmlns:a16="http://schemas.microsoft.com/office/drawing/2014/main" xmlns:a14="http://schemas.microsoft.com/office/drawing/2010/main" xmlns:p14="http://schemas.microsoft.com/office/powerpoint/2010/main" w="9525">
                   <a:solidFill>
                     <a:srgbClr val="000000"/>
                   </a:solidFill>
@@ -14898,7 +14891,7 @@
             </a:ln>
             <a:extLst>
               <a:ext uri="{91240B29-F687-4f45-9708-019B960494DF}">
-                <a14:hiddenLine xmlns:p14="http://schemas.microsoft.com/office/powerpoint/2010/main" xmlns:a14="http://schemas.microsoft.com/office/drawing/2010/main" xmlns:a16="http://schemas.microsoft.com/office/drawing/2014/main" xmlns="" w="9525">
+                <a14:hiddenLine xmlns="" xmlns:a16="http://schemas.microsoft.com/office/drawing/2014/main" xmlns:a14="http://schemas.microsoft.com/office/drawing/2010/main" xmlns:p14="http://schemas.microsoft.com/office/powerpoint/2010/main" w="9525">
                   <a:solidFill>
                     <a:srgbClr val="000000"/>
                   </a:solidFill>
@@ -15033,7 +15026,7 @@
             </a:ln>
             <a:extLst>
               <a:ext uri="{91240B29-F687-4f45-9708-019B960494DF}">
-                <a14:hiddenLine xmlns:p14="http://schemas.microsoft.com/office/powerpoint/2010/main" xmlns:a14="http://schemas.microsoft.com/office/drawing/2010/main" xmlns:a16="http://schemas.microsoft.com/office/drawing/2014/main" xmlns="" w="9525">
+                <a14:hiddenLine xmlns="" xmlns:a16="http://schemas.microsoft.com/office/drawing/2014/main" xmlns:a14="http://schemas.microsoft.com/office/drawing/2010/main" xmlns:p14="http://schemas.microsoft.com/office/powerpoint/2010/main" w="9525">
                   <a:solidFill>
                     <a:srgbClr val="000000"/>
                   </a:solidFill>
@@ -15212,7 +15205,7 @@
             </a:ln>
             <a:extLst>
               <a:ext uri="{91240B29-F687-4f45-9708-019B960494DF}">
-                <a14:hiddenLine xmlns:p14="http://schemas.microsoft.com/office/powerpoint/2010/main" xmlns:a14="http://schemas.microsoft.com/office/drawing/2010/main" xmlns:a16="http://schemas.microsoft.com/office/drawing/2014/main" xmlns="" w="9525">
+                <a14:hiddenLine xmlns="" xmlns:a16="http://schemas.microsoft.com/office/drawing/2014/main" xmlns:a14="http://schemas.microsoft.com/office/drawing/2010/main" xmlns:p14="http://schemas.microsoft.com/office/powerpoint/2010/main" w="9525">
                   <a:solidFill>
                     <a:srgbClr val="000000"/>
                   </a:solidFill>
@@ -15342,7 +15335,7 @@
             </a:ln>
             <a:extLst>
               <a:ext uri="{91240B29-F687-4f45-9708-019B960494DF}">
-                <a14:hiddenLine xmlns:p14="http://schemas.microsoft.com/office/powerpoint/2010/main" xmlns:a14="http://schemas.microsoft.com/office/drawing/2010/main" xmlns:a16="http://schemas.microsoft.com/office/drawing/2014/main" xmlns="" w="9525">
+                <a14:hiddenLine xmlns="" xmlns:a16="http://schemas.microsoft.com/office/drawing/2014/main" xmlns:a14="http://schemas.microsoft.com/office/drawing/2010/main" xmlns:p14="http://schemas.microsoft.com/office/powerpoint/2010/main" w="9525">
                   <a:solidFill>
                     <a:srgbClr val="000000"/>
                   </a:solidFill>
@@ -15447,7 +15440,7 @@
             </a:ln>
             <a:extLst>
               <a:ext uri="{91240B29-F687-4f45-9708-019B960494DF}">
-                <a14:hiddenLine xmlns:p14="http://schemas.microsoft.com/office/powerpoint/2010/main" xmlns:a14="http://schemas.microsoft.com/office/drawing/2010/main" xmlns:a16="http://schemas.microsoft.com/office/drawing/2014/main" xmlns="" w="9525">
+                <a14:hiddenLine xmlns="" xmlns:a16="http://schemas.microsoft.com/office/drawing/2014/main" xmlns:a14="http://schemas.microsoft.com/office/drawing/2010/main" xmlns:p14="http://schemas.microsoft.com/office/powerpoint/2010/main" w="9525">
                   <a:solidFill>
                     <a:srgbClr val="000000"/>
                   </a:solidFill>
@@ -15527,7 +15520,7 @@
             </a:ln>
             <a:extLst>
               <a:ext uri="{91240B29-F687-4f45-9708-019B960494DF}">
-                <a14:hiddenLine xmlns:p14="http://schemas.microsoft.com/office/powerpoint/2010/main" xmlns:a14="http://schemas.microsoft.com/office/drawing/2010/main" xmlns:a16="http://schemas.microsoft.com/office/drawing/2014/main" xmlns="" w="9525">
+                <a14:hiddenLine xmlns="" xmlns:a16="http://schemas.microsoft.com/office/drawing/2014/main" xmlns:a14="http://schemas.microsoft.com/office/drawing/2010/main" xmlns:p14="http://schemas.microsoft.com/office/powerpoint/2010/main" w="9525">
                   <a:solidFill>
                     <a:srgbClr val="000000"/>
                   </a:solidFill>
@@ -15632,7 +15625,7 @@
             </a:ln>
             <a:extLst>
               <a:ext uri="{91240B29-F687-4f45-9708-019B960494DF}">
-                <a14:hiddenLine xmlns:p14="http://schemas.microsoft.com/office/powerpoint/2010/main" xmlns:a14="http://schemas.microsoft.com/office/drawing/2010/main" xmlns:a16="http://schemas.microsoft.com/office/drawing/2014/main" xmlns="" w="9525">
+                <a14:hiddenLine xmlns="" xmlns:a16="http://schemas.microsoft.com/office/drawing/2014/main" xmlns:a14="http://schemas.microsoft.com/office/drawing/2010/main" xmlns:p14="http://schemas.microsoft.com/office/powerpoint/2010/main" w="9525">
                   <a:solidFill>
                     <a:srgbClr val="000000"/>
                   </a:solidFill>
@@ -15715,7 +15708,7 @@
             </a:ln>
             <a:extLst>
               <a:ext uri="{91240B29-F687-4f45-9708-019B960494DF}">
-                <a14:hiddenLine xmlns:p14="http://schemas.microsoft.com/office/powerpoint/2010/main" xmlns:a14="http://schemas.microsoft.com/office/drawing/2010/main" xmlns:a16="http://schemas.microsoft.com/office/drawing/2014/main" xmlns="" w="9525">
+                <a14:hiddenLine xmlns="" xmlns:a16="http://schemas.microsoft.com/office/drawing/2014/main" xmlns:a14="http://schemas.microsoft.com/office/drawing/2010/main" xmlns:p14="http://schemas.microsoft.com/office/powerpoint/2010/main" w="9525">
                   <a:solidFill>
                     <a:srgbClr val="000000"/>
                   </a:solidFill>
@@ -15820,7 +15813,7 @@
             </a:ln>
             <a:extLst>
               <a:ext uri="{91240B29-F687-4f45-9708-019B960494DF}">
-                <a14:hiddenLine xmlns:p14="http://schemas.microsoft.com/office/powerpoint/2010/main" xmlns:a14="http://schemas.microsoft.com/office/drawing/2010/main" xmlns:a16="http://schemas.microsoft.com/office/drawing/2014/main" xmlns="" w="9525">
+                <a14:hiddenLine xmlns="" xmlns:a16="http://schemas.microsoft.com/office/drawing/2014/main" xmlns:a14="http://schemas.microsoft.com/office/drawing/2010/main" xmlns:p14="http://schemas.microsoft.com/office/powerpoint/2010/main" w="9525">
                   <a:solidFill>
                     <a:srgbClr val="000000"/>
                   </a:solidFill>
@@ -15903,7 +15896,7 @@
             </a:ln>
             <a:extLst>
               <a:ext uri="{91240B29-F687-4f45-9708-019B960494DF}">
-                <a14:hiddenLine xmlns:p14="http://schemas.microsoft.com/office/powerpoint/2010/main" xmlns:a14="http://schemas.microsoft.com/office/drawing/2010/main" xmlns:a16="http://schemas.microsoft.com/office/drawing/2014/main" xmlns="" w="9525">
+                <a14:hiddenLine xmlns="" xmlns:a16="http://schemas.microsoft.com/office/drawing/2014/main" xmlns:a14="http://schemas.microsoft.com/office/drawing/2010/main" xmlns:p14="http://schemas.microsoft.com/office/powerpoint/2010/main" w="9525">
                   <a:solidFill>
                     <a:srgbClr val="000000"/>
                   </a:solidFill>
@@ -16008,7 +16001,7 @@
             </a:ln>
             <a:extLst>
               <a:ext uri="{91240B29-F687-4f45-9708-019B960494DF}">
-                <a14:hiddenLine xmlns:p14="http://schemas.microsoft.com/office/powerpoint/2010/main" xmlns:a14="http://schemas.microsoft.com/office/drawing/2010/main" xmlns:a16="http://schemas.microsoft.com/office/drawing/2014/main" xmlns="" w="9525">
+                <a14:hiddenLine xmlns="" xmlns:a16="http://schemas.microsoft.com/office/drawing/2014/main" xmlns:a14="http://schemas.microsoft.com/office/drawing/2010/main" xmlns:p14="http://schemas.microsoft.com/office/powerpoint/2010/main" w="9525">
                   <a:solidFill>
                     <a:srgbClr val="000000"/>
                   </a:solidFill>
@@ -16057,7 +16050,7 @@
             </a:ln>
             <a:extLst>
               <a:ext uri="{91240B29-F687-4f45-9708-019B960494DF}">
-                <a14:hiddenLine xmlns:p14="http://schemas.microsoft.com/office/powerpoint/2010/main" xmlns:a14="http://schemas.microsoft.com/office/drawing/2010/main" xmlns:a16="http://schemas.microsoft.com/office/drawing/2014/main" xmlns="" w="9525">
+                <a14:hiddenLine xmlns="" xmlns:a16="http://schemas.microsoft.com/office/drawing/2014/main" xmlns:a14="http://schemas.microsoft.com/office/drawing/2010/main" xmlns:p14="http://schemas.microsoft.com/office/powerpoint/2010/main" w="9525">
                   <a:solidFill>
                     <a:srgbClr val="000000"/>
                   </a:solidFill>
@@ -16493,7 +16486,7 @@
             </a:ln>
             <a:extLst>
               <a:ext uri="{91240B29-F687-4f45-9708-019B960494DF}">
-                <a14:hiddenLine xmlns:a14="http://schemas.microsoft.com/office/drawing/2010/main" xmlns:p14="http://schemas.microsoft.com/office/powerpoint/2010/main" xmlns:a16="http://schemas.microsoft.com/office/drawing/2014/main" xmlns="" w="9525">
+                <a14:hiddenLine xmlns="" xmlns:a16="http://schemas.microsoft.com/office/drawing/2014/main" xmlns:p14="http://schemas.microsoft.com/office/powerpoint/2010/main" xmlns:a14="http://schemas.microsoft.com/office/drawing/2010/main" w="9525">
                   <a:solidFill>
                     <a:srgbClr val="000000"/>
                   </a:solidFill>
@@ -16598,7 +16591,7 @@
             </a:ln>
             <a:extLst>
               <a:ext uri="{91240B29-F687-4f45-9708-019B960494DF}">
-                <a14:hiddenLine xmlns:a14="http://schemas.microsoft.com/office/drawing/2010/main" xmlns:p14="http://schemas.microsoft.com/office/powerpoint/2010/main" xmlns:a16="http://schemas.microsoft.com/office/drawing/2014/main" xmlns="" w="9525">
+                <a14:hiddenLine xmlns="" xmlns:a16="http://schemas.microsoft.com/office/drawing/2014/main" xmlns:p14="http://schemas.microsoft.com/office/powerpoint/2010/main" xmlns:a14="http://schemas.microsoft.com/office/drawing/2010/main" w="9525">
                   <a:solidFill>
                     <a:srgbClr val="000000"/>
                   </a:solidFill>
@@ -16703,7 +16696,7 @@
             </a:ln>
             <a:extLst>
               <a:ext uri="{91240B29-F687-4f45-9708-019B960494DF}">
-                <a14:hiddenLine xmlns:a14="http://schemas.microsoft.com/office/drawing/2010/main" xmlns:p14="http://schemas.microsoft.com/office/powerpoint/2010/main" xmlns:a16="http://schemas.microsoft.com/office/drawing/2014/main" xmlns="" w="9525">
+                <a14:hiddenLine xmlns="" xmlns:a16="http://schemas.microsoft.com/office/drawing/2014/main" xmlns:p14="http://schemas.microsoft.com/office/powerpoint/2010/main" xmlns:a14="http://schemas.microsoft.com/office/drawing/2010/main" w="9525">
                   <a:solidFill>
                     <a:srgbClr val="000000"/>
                   </a:solidFill>
@@ -16780,7 +16773,7 @@
             </a:ln>
             <a:extLst>
               <a:ext uri="{91240B29-F687-4f45-9708-019B960494DF}">
-                <a14:hiddenLine xmlns:a14="http://schemas.microsoft.com/office/drawing/2010/main" xmlns:p14="http://schemas.microsoft.com/office/powerpoint/2010/main" xmlns:a16="http://schemas.microsoft.com/office/drawing/2014/main" xmlns="" w="9525">
+                <a14:hiddenLine xmlns="" xmlns:a16="http://schemas.microsoft.com/office/drawing/2014/main" xmlns:p14="http://schemas.microsoft.com/office/powerpoint/2010/main" xmlns:a14="http://schemas.microsoft.com/office/drawing/2010/main" w="9525">
                   <a:solidFill>
                     <a:srgbClr val="000000"/>
                   </a:solidFill>
@@ -16885,7 +16878,7 @@
             </a:ln>
             <a:extLst>
               <a:ext uri="{91240B29-F687-4f45-9708-019B960494DF}">
-                <a14:hiddenLine xmlns:a14="http://schemas.microsoft.com/office/drawing/2010/main" xmlns:p14="http://schemas.microsoft.com/office/powerpoint/2010/main" xmlns:a16="http://schemas.microsoft.com/office/drawing/2014/main" xmlns="" w="9525">
+                <a14:hiddenLine xmlns="" xmlns:a16="http://schemas.microsoft.com/office/drawing/2014/main" xmlns:p14="http://schemas.microsoft.com/office/powerpoint/2010/main" xmlns:a14="http://schemas.microsoft.com/office/drawing/2010/main" w="9525">
                   <a:solidFill>
                     <a:srgbClr val="000000"/>
                   </a:solidFill>
@@ -16962,7 +16955,7 @@
             </a:ln>
             <a:extLst>
               <a:ext uri="{91240B29-F687-4f45-9708-019B960494DF}">
-                <a14:hiddenLine xmlns:a14="http://schemas.microsoft.com/office/drawing/2010/main" xmlns:p14="http://schemas.microsoft.com/office/powerpoint/2010/main" xmlns:a16="http://schemas.microsoft.com/office/drawing/2014/main" xmlns="" w="9525">
+                <a14:hiddenLine xmlns="" xmlns:a16="http://schemas.microsoft.com/office/drawing/2014/main" xmlns:p14="http://schemas.microsoft.com/office/powerpoint/2010/main" xmlns:a14="http://schemas.microsoft.com/office/drawing/2010/main" w="9525">
                   <a:solidFill>
                     <a:srgbClr val="000000"/>
                   </a:solidFill>
@@ -17039,7 +17032,7 @@
             </a:ln>
             <a:extLst>
               <a:ext uri="{91240B29-F687-4f45-9708-019B960494DF}">
-                <a14:hiddenLine xmlns:a14="http://schemas.microsoft.com/office/drawing/2010/main" xmlns:p14="http://schemas.microsoft.com/office/powerpoint/2010/main" xmlns:a16="http://schemas.microsoft.com/office/drawing/2014/main" xmlns="" w="9525">
+                <a14:hiddenLine xmlns="" xmlns:a16="http://schemas.microsoft.com/office/drawing/2014/main" xmlns:p14="http://schemas.microsoft.com/office/powerpoint/2010/main" xmlns:a14="http://schemas.microsoft.com/office/drawing/2010/main" w="9525">
                   <a:solidFill>
                     <a:srgbClr val="000000"/>
                   </a:solidFill>
@@ -17144,7 +17137,7 @@
             </a:ln>
             <a:extLst>
               <a:ext uri="{91240B29-F687-4f45-9708-019B960494DF}">
-                <a14:hiddenLine xmlns:a14="http://schemas.microsoft.com/office/drawing/2010/main" xmlns:p14="http://schemas.microsoft.com/office/powerpoint/2010/main" xmlns:a16="http://schemas.microsoft.com/office/drawing/2014/main" xmlns="" w="9525">
+                <a14:hiddenLine xmlns="" xmlns:a16="http://schemas.microsoft.com/office/drawing/2014/main" xmlns:p14="http://schemas.microsoft.com/office/powerpoint/2010/main" xmlns:a14="http://schemas.microsoft.com/office/drawing/2010/main" w="9525">
                   <a:solidFill>
                     <a:srgbClr val="000000"/>
                   </a:solidFill>
@@ -17249,7 +17242,7 @@
             </a:ln>
             <a:extLst>
               <a:ext uri="{91240B29-F687-4f45-9708-019B960494DF}">
-                <a14:hiddenLine xmlns:a14="http://schemas.microsoft.com/office/drawing/2010/main" xmlns:p14="http://schemas.microsoft.com/office/powerpoint/2010/main" xmlns:a16="http://schemas.microsoft.com/office/drawing/2014/main" xmlns="" w="9525">
+                <a14:hiddenLine xmlns="" xmlns:a16="http://schemas.microsoft.com/office/drawing/2014/main" xmlns:p14="http://schemas.microsoft.com/office/powerpoint/2010/main" xmlns:a14="http://schemas.microsoft.com/office/drawing/2010/main" w="9525">
                   <a:solidFill>
                     <a:srgbClr val="000000"/>
                   </a:solidFill>
@@ -17326,7 +17319,7 @@
             </a:ln>
             <a:extLst>
               <a:ext uri="{91240B29-F687-4f45-9708-019B960494DF}">
-                <a14:hiddenLine xmlns:a14="http://schemas.microsoft.com/office/drawing/2010/main" xmlns:p14="http://schemas.microsoft.com/office/powerpoint/2010/main" xmlns:a16="http://schemas.microsoft.com/office/drawing/2014/main" xmlns="" w="9525">
+                <a14:hiddenLine xmlns="" xmlns:a16="http://schemas.microsoft.com/office/drawing/2014/main" xmlns:p14="http://schemas.microsoft.com/office/powerpoint/2010/main" xmlns:a14="http://schemas.microsoft.com/office/drawing/2010/main" w="9525">
                   <a:solidFill>
                     <a:srgbClr val="000000"/>
                   </a:solidFill>
@@ -17451,7 +17444,7 @@
             </a:ln>
             <a:extLst>
               <a:ext uri="{91240B29-F687-4f45-9708-019B960494DF}">
-                <a14:hiddenLine xmlns:a14="http://schemas.microsoft.com/office/drawing/2010/main" xmlns:p14="http://schemas.microsoft.com/office/powerpoint/2010/main" xmlns:a16="http://schemas.microsoft.com/office/drawing/2014/main" xmlns="" w="9525">
+                <a14:hiddenLine xmlns="" xmlns:a16="http://schemas.microsoft.com/office/drawing/2014/main" xmlns:p14="http://schemas.microsoft.com/office/powerpoint/2010/main" xmlns:a14="http://schemas.microsoft.com/office/drawing/2010/main" w="9525">
                   <a:solidFill>
                     <a:srgbClr val="000000"/>
                   </a:solidFill>
@@ -17565,7 +17558,7 @@
             </a:ln>
             <a:extLst>
               <a:ext uri="{91240B29-F687-4f45-9708-019B960494DF}">
-                <a14:hiddenLine xmlns:a14="http://schemas.microsoft.com/office/drawing/2010/main" xmlns:p14="http://schemas.microsoft.com/office/powerpoint/2010/main" xmlns:a16="http://schemas.microsoft.com/office/drawing/2014/main" xmlns="" w="9525">
+                <a14:hiddenLine xmlns="" xmlns:a16="http://schemas.microsoft.com/office/drawing/2014/main" xmlns:p14="http://schemas.microsoft.com/office/powerpoint/2010/main" xmlns:a14="http://schemas.microsoft.com/office/drawing/2010/main" w="9525">
                   <a:solidFill>
                     <a:srgbClr val="000000"/>
                   </a:solidFill>
@@ -17642,7 +17635,7 @@
             </a:ln>
             <a:extLst>
               <a:ext uri="{91240B29-F687-4f45-9708-019B960494DF}">
-                <a14:hiddenLine xmlns:a14="http://schemas.microsoft.com/office/drawing/2010/main" xmlns:p14="http://schemas.microsoft.com/office/powerpoint/2010/main" xmlns:a16="http://schemas.microsoft.com/office/drawing/2014/main" xmlns="" w="9525">
+                <a14:hiddenLine xmlns="" xmlns:a16="http://schemas.microsoft.com/office/drawing/2014/main" xmlns:p14="http://schemas.microsoft.com/office/powerpoint/2010/main" xmlns:a14="http://schemas.microsoft.com/office/drawing/2010/main" w="9525">
                   <a:solidFill>
                     <a:srgbClr val="000000"/>
                   </a:solidFill>
@@ -17719,7 +17712,7 @@
             </a:ln>
             <a:extLst>
               <a:ext uri="{91240B29-F687-4f45-9708-019B960494DF}">
-                <a14:hiddenLine xmlns:a14="http://schemas.microsoft.com/office/drawing/2010/main" xmlns:p14="http://schemas.microsoft.com/office/powerpoint/2010/main" xmlns:a16="http://schemas.microsoft.com/office/drawing/2014/main" xmlns="" w="9525">
+                <a14:hiddenLine xmlns="" xmlns:a16="http://schemas.microsoft.com/office/drawing/2014/main" xmlns:p14="http://schemas.microsoft.com/office/powerpoint/2010/main" xmlns:a14="http://schemas.microsoft.com/office/drawing/2010/main" w="9525">
                   <a:solidFill>
                     <a:srgbClr val="000000"/>
                   </a:solidFill>
@@ -17824,7 +17817,7 @@
             </a:ln>
             <a:extLst>
               <a:ext uri="{91240B29-F687-4f45-9708-019B960494DF}">
-                <a14:hiddenLine xmlns:a14="http://schemas.microsoft.com/office/drawing/2010/main" xmlns:p14="http://schemas.microsoft.com/office/powerpoint/2010/main" xmlns:a16="http://schemas.microsoft.com/office/drawing/2014/main" xmlns="" w="9525">
+                <a14:hiddenLine xmlns="" xmlns:a16="http://schemas.microsoft.com/office/drawing/2014/main" xmlns:p14="http://schemas.microsoft.com/office/powerpoint/2010/main" xmlns:a14="http://schemas.microsoft.com/office/drawing/2010/main" w="9525">
                   <a:solidFill>
                     <a:srgbClr val="000000"/>
                   </a:solidFill>
@@ -17873,7 +17866,7 @@
             </a:ln>
             <a:extLst>
               <a:ext uri="{91240B29-F687-4f45-9708-019B960494DF}">
-                <a14:hiddenLine xmlns:a14="http://schemas.microsoft.com/office/drawing/2010/main" xmlns:p14="http://schemas.microsoft.com/office/powerpoint/2010/main" xmlns:a16="http://schemas.microsoft.com/office/drawing/2014/main" xmlns="" w="9525">
+                <a14:hiddenLine xmlns="" xmlns:a16="http://schemas.microsoft.com/office/drawing/2014/main" xmlns:p14="http://schemas.microsoft.com/office/powerpoint/2010/main" xmlns:a14="http://schemas.microsoft.com/office/drawing/2010/main" w="9525">
                   <a:solidFill>
                     <a:srgbClr val="000000"/>
                   </a:solidFill>
@@ -17953,7 +17946,7 @@
             </a:ln>
             <a:extLst>
               <a:ext uri="{91240B29-F687-4f45-9708-019B960494DF}">
-                <a14:hiddenLine xmlns:a14="http://schemas.microsoft.com/office/drawing/2010/main" xmlns:p14="http://schemas.microsoft.com/office/powerpoint/2010/main" xmlns:a16="http://schemas.microsoft.com/office/drawing/2014/main" xmlns="" w="9525">
+                <a14:hiddenLine xmlns="" xmlns:a16="http://schemas.microsoft.com/office/drawing/2014/main" xmlns:p14="http://schemas.microsoft.com/office/powerpoint/2010/main" xmlns:a14="http://schemas.microsoft.com/office/drawing/2010/main" w="9525">
                   <a:solidFill>
                     <a:srgbClr val="000000"/>
                   </a:solidFill>
@@ -18058,7 +18051,7 @@
             </a:ln>
             <a:extLst>
               <a:ext uri="{91240B29-F687-4f45-9708-019B960494DF}">
-                <a14:hiddenLine xmlns:a14="http://schemas.microsoft.com/office/drawing/2010/main" xmlns:p14="http://schemas.microsoft.com/office/powerpoint/2010/main" xmlns:a16="http://schemas.microsoft.com/office/drawing/2014/main" xmlns="" w="9525">
+                <a14:hiddenLine xmlns="" xmlns:a16="http://schemas.microsoft.com/office/drawing/2014/main" xmlns:p14="http://schemas.microsoft.com/office/powerpoint/2010/main" xmlns:a14="http://schemas.microsoft.com/office/drawing/2010/main" w="9525">
                   <a:solidFill>
                     <a:srgbClr val="000000"/>
                   </a:solidFill>
@@ -18135,7 +18128,7 @@
             </a:ln>
             <a:extLst>
               <a:ext uri="{91240B29-F687-4f45-9708-019B960494DF}">
-                <a14:hiddenLine xmlns:a14="http://schemas.microsoft.com/office/drawing/2010/main" xmlns:p14="http://schemas.microsoft.com/office/powerpoint/2010/main" xmlns:a16="http://schemas.microsoft.com/office/drawing/2014/main" xmlns="" w="9525">
+                <a14:hiddenLine xmlns="" xmlns:a16="http://schemas.microsoft.com/office/drawing/2014/main" xmlns:p14="http://schemas.microsoft.com/office/powerpoint/2010/main" xmlns:a14="http://schemas.microsoft.com/office/drawing/2010/main" w="9525">
                   <a:solidFill>
                     <a:srgbClr val="000000"/>
                   </a:solidFill>
@@ -18240,7 +18233,7 @@
             </a:ln>
             <a:extLst>
               <a:ext uri="{91240B29-F687-4f45-9708-019B960494DF}">
-                <a14:hiddenLine xmlns:a14="http://schemas.microsoft.com/office/drawing/2010/main" xmlns:p14="http://schemas.microsoft.com/office/powerpoint/2010/main" xmlns:a16="http://schemas.microsoft.com/office/drawing/2014/main" xmlns="" w="9525">
+                <a14:hiddenLine xmlns="" xmlns:a16="http://schemas.microsoft.com/office/drawing/2014/main" xmlns:p14="http://schemas.microsoft.com/office/powerpoint/2010/main" xmlns:a14="http://schemas.microsoft.com/office/drawing/2010/main" w="9525">
                   <a:solidFill>
                     <a:srgbClr val="000000"/>
                   </a:solidFill>
@@ -18320,7 +18313,7 @@
             </a:ln>
             <a:extLst>
               <a:ext uri="{91240B29-F687-4f45-9708-019B960494DF}">
-                <a14:hiddenLine xmlns:a14="http://schemas.microsoft.com/office/drawing/2010/main" xmlns:p14="http://schemas.microsoft.com/office/powerpoint/2010/main" xmlns:a16="http://schemas.microsoft.com/office/drawing/2014/main" xmlns="" w="9525">
+                <a14:hiddenLine xmlns="" xmlns:a16="http://schemas.microsoft.com/office/drawing/2014/main" xmlns:p14="http://schemas.microsoft.com/office/powerpoint/2010/main" xmlns:a14="http://schemas.microsoft.com/office/drawing/2010/main" w="9525">
                   <a:solidFill>
                     <a:srgbClr val="000000"/>
                   </a:solidFill>
@@ -18397,7 +18390,7 @@
             </a:ln>
             <a:extLst>
               <a:ext uri="{91240B29-F687-4f45-9708-019B960494DF}">
-                <a14:hiddenLine xmlns:a14="http://schemas.microsoft.com/office/drawing/2010/main" xmlns:p14="http://schemas.microsoft.com/office/powerpoint/2010/main" xmlns:a16="http://schemas.microsoft.com/office/drawing/2014/main" xmlns="" w="9525">
+                <a14:hiddenLine xmlns="" xmlns:a16="http://schemas.microsoft.com/office/drawing/2014/main" xmlns:p14="http://schemas.microsoft.com/office/powerpoint/2010/main" xmlns:a14="http://schemas.microsoft.com/office/drawing/2010/main" w="9525">
                   <a:solidFill>
                     <a:srgbClr val="000000"/>
                   </a:solidFill>
@@ -18502,7 +18495,7 @@
             </a:ln>
             <a:extLst>
               <a:ext uri="{91240B29-F687-4f45-9708-019B960494DF}">
-                <a14:hiddenLine xmlns:a14="http://schemas.microsoft.com/office/drawing/2010/main" xmlns:p14="http://schemas.microsoft.com/office/powerpoint/2010/main" xmlns:a16="http://schemas.microsoft.com/office/drawing/2014/main" xmlns="" w="9525">
+                <a14:hiddenLine xmlns="" xmlns:a16="http://schemas.microsoft.com/office/drawing/2014/main" xmlns:p14="http://schemas.microsoft.com/office/powerpoint/2010/main" xmlns:a14="http://schemas.microsoft.com/office/drawing/2010/main" w="9525">
                   <a:solidFill>
                     <a:srgbClr val="000000"/>
                   </a:solidFill>
@@ -18607,7 +18600,7 @@
             </a:ln>
             <a:extLst>
               <a:ext uri="{91240B29-F687-4f45-9708-019B960494DF}">
-                <a14:hiddenLine xmlns:a14="http://schemas.microsoft.com/office/drawing/2010/main" xmlns:p14="http://schemas.microsoft.com/office/powerpoint/2010/main" xmlns:a16="http://schemas.microsoft.com/office/drawing/2014/main" xmlns="" w="9525">
+                <a14:hiddenLine xmlns="" xmlns:a16="http://schemas.microsoft.com/office/drawing/2014/main" xmlns:p14="http://schemas.microsoft.com/office/powerpoint/2010/main" xmlns:a14="http://schemas.microsoft.com/office/drawing/2010/main" w="9525">
                   <a:solidFill>
                     <a:srgbClr val="000000"/>
                   </a:solidFill>
@@ -18687,7 +18680,7 @@
             </a:ln>
             <a:extLst>
               <a:ext uri="{91240B29-F687-4f45-9708-019B960494DF}">
-                <a14:hiddenLine xmlns:a14="http://schemas.microsoft.com/office/drawing/2010/main" xmlns:p14="http://schemas.microsoft.com/office/powerpoint/2010/main" xmlns:a16="http://schemas.microsoft.com/office/drawing/2014/main" xmlns="" w="9525">
+                <a14:hiddenLine xmlns="" xmlns:a16="http://schemas.microsoft.com/office/drawing/2014/main" xmlns:p14="http://schemas.microsoft.com/office/powerpoint/2010/main" xmlns:a14="http://schemas.microsoft.com/office/drawing/2010/main" w="9525">
                   <a:solidFill>
                     <a:srgbClr val="000000"/>
                   </a:solidFill>
@@ -18822,7 +18815,7 @@
             </a:ln>
             <a:extLst>
               <a:ext uri="{91240B29-F687-4f45-9708-019B960494DF}">
-                <a14:hiddenLine xmlns:a14="http://schemas.microsoft.com/office/drawing/2010/main" xmlns:p14="http://schemas.microsoft.com/office/powerpoint/2010/main" xmlns:a16="http://schemas.microsoft.com/office/drawing/2014/main" xmlns="" w="9525">
+                <a14:hiddenLine xmlns="" xmlns:a16="http://schemas.microsoft.com/office/drawing/2014/main" xmlns:p14="http://schemas.microsoft.com/office/powerpoint/2010/main" xmlns:a14="http://schemas.microsoft.com/office/drawing/2010/main" w="9525">
                   <a:solidFill>
                     <a:srgbClr val="000000"/>
                   </a:solidFill>
@@ -19094,7 +19087,7 @@
             </a:ln>
             <a:extLst>
               <a:ext uri="{91240B29-F687-4f45-9708-019B960494DF}">
-                <a14:hiddenLine xmlns:a14="http://schemas.microsoft.com/office/drawing/2010/main" xmlns:p14="http://schemas.microsoft.com/office/powerpoint/2010/main" xmlns:a16="http://schemas.microsoft.com/office/drawing/2014/main" xmlns="" w="9525">
+                <a14:hiddenLine xmlns="" xmlns:a16="http://schemas.microsoft.com/office/drawing/2014/main" xmlns:p14="http://schemas.microsoft.com/office/powerpoint/2010/main" xmlns:a14="http://schemas.microsoft.com/office/drawing/2010/main" w="9525">
                   <a:solidFill>
                     <a:srgbClr val="000000"/>
                   </a:solidFill>
@@ -19224,7 +19217,7 @@
             </a:ln>
             <a:extLst>
               <a:ext uri="{91240B29-F687-4f45-9708-019B960494DF}">
-                <a14:hiddenLine xmlns:a14="http://schemas.microsoft.com/office/drawing/2010/main" xmlns:p14="http://schemas.microsoft.com/office/powerpoint/2010/main" xmlns:a16="http://schemas.microsoft.com/office/drawing/2014/main" xmlns="" w="9525">
+                <a14:hiddenLine xmlns="" xmlns:a16="http://schemas.microsoft.com/office/drawing/2014/main" xmlns:p14="http://schemas.microsoft.com/office/powerpoint/2010/main" xmlns:a14="http://schemas.microsoft.com/office/drawing/2010/main" w="9525">
                   <a:solidFill>
                     <a:srgbClr val="000000"/>
                   </a:solidFill>
@@ -19329,7 +19322,7 @@
             </a:ln>
             <a:extLst>
               <a:ext uri="{91240B29-F687-4f45-9708-019B960494DF}">
-                <a14:hiddenLine xmlns:a14="http://schemas.microsoft.com/office/drawing/2010/main" xmlns:p14="http://schemas.microsoft.com/office/powerpoint/2010/main" xmlns:a16="http://schemas.microsoft.com/office/drawing/2014/main" xmlns="" w="9525">
+                <a14:hiddenLine xmlns="" xmlns:a16="http://schemas.microsoft.com/office/drawing/2014/main" xmlns:p14="http://schemas.microsoft.com/office/powerpoint/2010/main" xmlns:a14="http://schemas.microsoft.com/office/drawing/2010/main" w="9525">
                   <a:solidFill>
                     <a:srgbClr val="000000"/>
                   </a:solidFill>
@@ -19409,7 +19402,7 @@
             </a:ln>
             <a:extLst>
               <a:ext uri="{91240B29-F687-4f45-9708-019B960494DF}">
-                <a14:hiddenLine xmlns:a14="http://schemas.microsoft.com/office/drawing/2010/main" xmlns:p14="http://schemas.microsoft.com/office/powerpoint/2010/main" xmlns:a16="http://schemas.microsoft.com/office/drawing/2014/main" xmlns="" w="9525">
+                <a14:hiddenLine xmlns="" xmlns:a16="http://schemas.microsoft.com/office/drawing/2014/main" xmlns:p14="http://schemas.microsoft.com/office/powerpoint/2010/main" xmlns:a14="http://schemas.microsoft.com/office/drawing/2010/main" w="9525">
                   <a:solidFill>
                     <a:srgbClr val="000000"/>
                   </a:solidFill>
@@ -19514,7 +19507,7 @@
             </a:ln>
             <a:extLst>
               <a:ext uri="{91240B29-F687-4f45-9708-019B960494DF}">
-                <a14:hiddenLine xmlns:a14="http://schemas.microsoft.com/office/drawing/2010/main" xmlns:p14="http://schemas.microsoft.com/office/powerpoint/2010/main" xmlns:a16="http://schemas.microsoft.com/office/drawing/2014/main" xmlns="" w="9525">
+                <a14:hiddenLine xmlns="" xmlns:a16="http://schemas.microsoft.com/office/drawing/2014/main" xmlns:p14="http://schemas.microsoft.com/office/powerpoint/2010/main" xmlns:a14="http://schemas.microsoft.com/office/drawing/2010/main" w="9525">
                   <a:solidFill>
                     <a:srgbClr val="000000"/>
                   </a:solidFill>
@@ -19597,7 +19590,7 @@
             </a:ln>
             <a:extLst>
               <a:ext uri="{91240B29-F687-4f45-9708-019B960494DF}">
-                <a14:hiddenLine xmlns:a14="http://schemas.microsoft.com/office/drawing/2010/main" xmlns:p14="http://schemas.microsoft.com/office/powerpoint/2010/main" xmlns:a16="http://schemas.microsoft.com/office/drawing/2014/main" xmlns="" w="9525">
+                <a14:hiddenLine xmlns="" xmlns:a16="http://schemas.microsoft.com/office/drawing/2014/main" xmlns:p14="http://schemas.microsoft.com/office/powerpoint/2010/main" xmlns:a14="http://schemas.microsoft.com/office/drawing/2010/main" w="9525">
                   <a:solidFill>
                     <a:srgbClr val="000000"/>
                   </a:solidFill>
@@ -19702,7 +19695,7 @@
             </a:ln>
             <a:extLst>
               <a:ext uri="{91240B29-F687-4f45-9708-019B960494DF}">
-                <a14:hiddenLine xmlns:a14="http://schemas.microsoft.com/office/drawing/2010/main" xmlns:p14="http://schemas.microsoft.com/office/powerpoint/2010/main" xmlns:a16="http://schemas.microsoft.com/office/drawing/2014/main" xmlns="" w="9525">
+                <a14:hiddenLine xmlns="" xmlns:a16="http://schemas.microsoft.com/office/drawing/2014/main" xmlns:p14="http://schemas.microsoft.com/office/powerpoint/2010/main" xmlns:a14="http://schemas.microsoft.com/office/drawing/2010/main" w="9525">
                   <a:solidFill>
                     <a:srgbClr val="000000"/>
                   </a:solidFill>
@@ -19785,7 +19778,7 @@
             </a:ln>
             <a:extLst>
               <a:ext uri="{91240B29-F687-4f45-9708-019B960494DF}">
-                <a14:hiddenLine xmlns:a14="http://schemas.microsoft.com/office/drawing/2010/main" xmlns:p14="http://schemas.microsoft.com/office/powerpoint/2010/main" xmlns:a16="http://schemas.microsoft.com/office/drawing/2014/main" xmlns="" w="9525">
+                <a14:hiddenLine xmlns="" xmlns:a16="http://schemas.microsoft.com/office/drawing/2014/main" xmlns:p14="http://schemas.microsoft.com/office/powerpoint/2010/main" xmlns:a14="http://schemas.microsoft.com/office/drawing/2010/main" w="9525">
                   <a:solidFill>
                     <a:srgbClr val="000000"/>
                   </a:solidFill>
@@ -19890,7 +19883,7 @@
             </a:ln>
             <a:extLst>
               <a:ext uri="{91240B29-F687-4f45-9708-019B960494DF}">
-                <a14:hiddenLine xmlns:a14="http://schemas.microsoft.com/office/drawing/2010/main" xmlns:p14="http://schemas.microsoft.com/office/powerpoint/2010/main" xmlns:a16="http://schemas.microsoft.com/office/drawing/2014/main" xmlns="" w="9525">
+                <a14:hiddenLine xmlns="" xmlns:a16="http://schemas.microsoft.com/office/drawing/2014/main" xmlns:p14="http://schemas.microsoft.com/office/powerpoint/2010/main" xmlns:a14="http://schemas.microsoft.com/office/drawing/2010/main" w="9525">
                   <a:solidFill>
                     <a:srgbClr val="000000"/>
                   </a:solidFill>
@@ -19939,7 +19932,7 @@
             </a:ln>
             <a:extLst>
               <a:ext uri="{91240B29-F687-4f45-9708-019B960494DF}">
-                <a14:hiddenLine xmlns:a14="http://schemas.microsoft.com/office/drawing/2010/main" xmlns:p14="http://schemas.microsoft.com/office/powerpoint/2010/main" xmlns:a16="http://schemas.microsoft.com/office/drawing/2014/main" xmlns="" w="9525">
+                <a14:hiddenLine xmlns="" xmlns:a16="http://schemas.microsoft.com/office/drawing/2014/main" xmlns:p14="http://schemas.microsoft.com/office/powerpoint/2010/main" xmlns:a14="http://schemas.microsoft.com/office/drawing/2010/main" w="9525">
                   <a:solidFill>
                     <a:srgbClr val="000000"/>
                   </a:solidFill>
@@ -22136,6 +22129,12 @@
 </file>
 
 <file path=customXml/item1.xml><?xml version="1.0" encoding="utf-8"?>
+<p:properties xmlns:p="http://schemas.microsoft.com/office/2006/metadata/properties" xmlns:xsi="http://www.w3.org/2001/XMLSchema-instance" xmlns:pc="http://schemas.microsoft.com/office/infopath/2007/PartnerControls">
+  <documentManagement/>
+</p:properties>
+</file>
+
+<file path=customXml/item2.xml><?xml version="1.0" encoding="utf-8"?>
 <ct:contentTypeSchema xmlns:ct="http://schemas.microsoft.com/office/2006/metadata/contentType" xmlns:ma="http://schemas.microsoft.com/office/2006/metadata/properties/metaAttributes" ct:_="" ma:_="" ma:contentTypeName="Document" ma:contentTypeID="0x010100089F26E0DAB6374F8CF611BC44CFD3E7" ma:contentTypeVersion="2" ma:contentTypeDescription="Create a new document." ma:contentTypeScope="" ma:versionID="17829ccfb28c4c1babcf43f107f66ec7">
   <xsd:schema xmlns:xsd="http://www.w3.org/2001/XMLSchema" xmlns:xs="http://www.w3.org/2001/XMLSchema" xmlns:p="http://schemas.microsoft.com/office/2006/metadata/properties" xmlns:ns3="3450c96d-1dbb-4e6f-9fb8-cf8a9305f5c4" targetNamespace="http://schemas.microsoft.com/office/2006/metadata/properties" ma:root="true" ma:fieldsID="47c3f7175528457a49fa0dce99769579" ns3:_="">
     <xsd:import namespace="3450c96d-1dbb-4e6f-9fb8-cf8a9305f5c4"/>
@@ -22267,12 +22266,6 @@
 </ct:contentTypeSchema>
 </file>
 
-<file path=customXml/item2.xml><?xml version="1.0" encoding="utf-8"?>
-<p:properties xmlns:p="http://schemas.microsoft.com/office/2006/metadata/properties" xmlns:xsi="http://www.w3.org/2001/XMLSchema-instance" xmlns:pc="http://schemas.microsoft.com/office/infopath/2007/PartnerControls">
-  <documentManagement/>
-</p:properties>
-</file>
-
 <file path=customXml/item3.xml><?xml version="1.0" encoding="utf-8"?>
 <?mso-contentType ?>
 <FormTemplates xmlns="http://schemas.microsoft.com/sharepoint/v3/contenttype/forms">
@@ -22283,6 +22276,22 @@
 </file>
 
 <file path=customXml/itemProps1.xml><?xml version="1.0" encoding="utf-8"?>
+<ds:datastoreItem xmlns:ds="http://schemas.openxmlformats.org/officeDocument/2006/customXml" ds:itemID="{3C184EC6-4D91-492E-80FE-3DE68463A6E7}">
+  <ds:schemaRefs>
+    <ds:schemaRef ds:uri="http://schemas.microsoft.com/office/2006/documentManagement/types"/>
+    <ds:schemaRef ds:uri="3450c96d-1dbb-4e6f-9fb8-cf8a9305f5c4"/>
+    <ds:schemaRef ds:uri="http://purl.org/dc/dcmitype/"/>
+    <ds:schemaRef ds:uri="http://purl.org/dc/terms/"/>
+    <ds:schemaRef ds:uri="http://schemas.microsoft.com/office/2006/metadata/properties"/>
+    <ds:schemaRef ds:uri="http://www.w3.org/XML/1998/namespace"/>
+    <ds:schemaRef ds:uri="http://schemas.openxmlformats.org/package/2006/metadata/core-properties"/>
+    <ds:schemaRef ds:uri="http://schemas.microsoft.com/office/infopath/2007/PartnerControls"/>
+    <ds:schemaRef ds:uri="http://purl.org/dc/elements/1.1/"/>
+  </ds:schemaRefs>
+</ds:datastoreItem>
+</file>
+
+<file path=customXml/itemProps2.xml><?xml version="1.0" encoding="utf-8"?>
 <ds:datastoreItem xmlns:ds="http://schemas.openxmlformats.org/officeDocument/2006/customXml" ds:itemID="{8AB21A4F-F9F7-4373-9869-6F5BDE13FF30}">
   <ds:schemaRefs>
     <ds:schemaRef ds:uri="http://schemas.microsoft.com/office/2006/metadata/contentType"/>
@@ -22300,22 +22309,6 @@
 </ds:datastoreItem>
 </file>
 
-<file path=customXml/itemProps2.xml><?xml version="1.0" encoding="utf-8"?>
-<ds:datastoreItem xmlns:ds="http://schemas.openxmlformats.org/officeDocument/2006/customXml" ds:itemID="{3C184EC6-4D91-492E-80FE-3DE68463A6E7}">
-  <ds:schemaRefs>
-    <ds:schemaRef ds:uri="http://schemas.microsoft.com/office/2006/documentManagement/types"/>
-    <ds:schemaRef ds:uri="3450c96d-1dbb-4e6f-9fb8-cf8a9305f5c4"/>
-    <ds:schemaRef ds:uri="http://purl.org/dc/dcmitype/"/>
-    <ds:schemaRef ds:uri="http://purl.org/dc/terms/"/>
-    <ds:schemaRef ds:uri="http://schemas.microsoft.com/office/2006/metadata/properties"/>
-    <ds:schemaRef ds:uri="http://www.w3.org/XML/1998/namespace"/>
-    <ds:schemaRef ds:uri="http://schemas.openxmlformats.org/package/2006/metadata/core-properties"/>
-    <ds:schemaRef ds:uri="http://schemas.microsoft.com/office/infopath/2007/PartnerControls"/>
-    <ds:schemaRef ds:uri="http://purl.org/dc/elements/1.1/"/>
-  </ds:schemaRefs>
-</ds:datastoreItem>
-</file>
-
 <file path=customXml/itemProps3.xml><?xml version="1.0" encoding="utf-8"?>
 <ds:datastoreItem xmlns:ds="http://schemas.openxmlformats.org/officeDocument/2006/customXml" ds:itemID="{5D157578-7E84-4BA9-B6E5-D99BA2B439A2}">
   <ds:schemaRefs>
